--- a/Cyber_sec.pptx
+++ b/Cyber_sec.pptx
@@ -8,6 +8,10 @@
     <p:sldId id="256" r:id="rId2"/>
     <p:sldId id="257" r:id="rId3"/>
     <p:sldId id="258" r:id="rId4"/>
+    <p:sldId id="259" r:id="rId5"/>
+    <p:sldId id="260" r:id="rId6"/>
+    <p:sldId id="261" r:id="rId7"/>
+    <p:sldId id="262" r:id="rId8"/>
   </p:sldIdLst>
   <p:sldSz cx="12192000" cy="6858000"/>
   <p:notesSz cx="6858000" cy="9144000"/>
@@ -106,6 +110,11 @@
       </a:defRPr>
     </a:lvl9pPr>
   </p:defaultTextStyle>
+  <p:extLst>
+    <p:ext uri="{EFAFB233-063F-42B5-8137-9DF3F51BA10A}">
+      <p15:sldGuideLst xmlns:p15="http://schemas.microsoft.com/office/powerpoint/2012/main"/>
+    </p:ext>
+  </p:extLst>
 </p:presentation>
 </file>
 
@@ -256,7 +265,7 @@
           <a:p>
             <a:fld id="{D1D39118-63FA-48E8-B5CD-F9073EEADE7F}" type="datetimeFigureOut">
               <a:rPr lang="en-US" smtClean="0"/>
-              <a:t>10/13/2021</a:t>
+              <a:t>10/17/2021</a:t>
             </a:fld>
             <a:endParaRPr lang="en-US"/>
           </a:p>
@@ -454,7 +463,7 @@
           <a:p>
             <a:fld id="{D1D39118-63FA-48E8-B5CD-F9073EEADE7F}" type="datetimeFigureOut">
               <a:rPr lang="en-US" smtClean="0"/>
-              <a:t>10/13/2021</a:t>
+              <a:t>10/17/2021</a:t>
             </a:fld>
             <a:endParaRPr lang="en-US"/>
           </a:p>
@@ -662,7 +671,7 @@
           <a:p>
             <a:fld id="{D1D39118-63FA-48E8-B5CD-F9073EEADE7F}" type="datetimeFigureOut">
               <a:rPr lang="en-US" smtClean="0"/>
-              <a:t>10/13/2021</a:t>
+              <a:t>10/17/2021</a:t>
             </a:fld>
             <a:endParaRPr lang="en-US"/>
           </a:p>
@@ -860,7 +869,7 @@
           <a:p>
             <a:fld id="{D1D39118-63FA-48E8-B5CD-F9073EEADE7F}" type="datetimeFigureOut">
               <a:rPr lang="en-US" smtClean="0"/>
-              <a:t>10/13/2021</a:t>
+              <a:t>10/17/2021</a:t>
             </a:fld>
             <a:endParaRPr lang="en-US"/>
           </a:p>
@@ -1135,7 +1144,7 @@
           <a:p>
             <a:fld id="{D1D39118-63FA-48E8-B5CD-F9073EEADE7F}" type="datetimeFigureOut">
               <a:rPr lang="en-US" smtClean="0"/>
-              <a:t>10/13/2021</a:t>
+              <a:t>10/17/2021</a:t>
             </a:fld>
             <a:endParaRPr lang="en-US"/>
           </a:p>
@@ -1400,7 +1409,7 @@
           <a:p>
             <a:fld id="{D1D39118-63FA-48E8-B5CD-F9073EEADE7F}" type="datetimeFigureOut">
               <a:rPr lang="en-US" smtClean="0"/>
-              <a:t>10/13/2021</a:t>
+              <a:t>10/17/2021</a:t>
             </a:fld>
             <a:endParaRPr lang="en-US"/>
           </a:p>
@@ -1812,7 +1821,7 @@
           <a:p>
             <a:fld id="{D1D39118-63FA-48E8-B5CD-F9073EEADE7F}" type="datetimeFigureOut">
               <a:rPr lang="en-US" smtClean="0"/>
-              <a:t>10/13/2021</a:t>
+              <a:t>10/17/2021</a:t>
             </a:fld>
             <a:endParaRPr lang="en-US"/>
           </a:p>
@@ -1953,7 +1962,7 @@
           <a:p>
             <a:fld id="{D1D39118-63FA-48E8-B5CD-F9073EEADE7F}" type="datetimeFigureOut">
               <a:rPr lang="en-US" smtClean="0"/>
-              <a:t>10/13/2021</a:t>
+              <a:t>10/17/2021</a:t>
             </a:fld>
             <a:endParaRPr lang="en-US"/>
           </a:p>
@@ -2066,7 +2075,7 @@
           <a:p>
             <a:fld id="{D1D39118-63FA-48E8-B5CD-F9073EEADE7F}" type="datetimeFigureOut">
               <a:rPr lang="en-US" smtClean="0"/>
-              <a:t>10/13/2021</a:t>
+              <a:t>10/17/2021</a:t>
             </a:fld>
             <a:endParaRPr lang="en-US"/>
           </a:p>
@@ -2377,7 +2386,7 @@
           <a:p>
             <a:fld id="{D1D39118-63FA-48E8-B5CD-F9073EEADE7F}" type="datetimeFigureOut">
               <a:rPr lang="en-US" smtClean="0"/>
-              <a:t>10/13/2021</a:t>
+              <a:t>10/17/2021</a:t>
             </a:fld>
             <a:endParaRPr lang="en-US"/>
           </a:p>
@@ -2665,7 +2674,7 @@
           <a:p>
             <a:fld id="{D1D39118-63FA-48E8-B5CD-F9073EEADE7F}" type="datetimeFigureOut">
               <a:rPr lang="en-US" smtClean="0"/>
-              <a:t>10/13/2021</a:t>
+              <a:t>10/17/2021</a:t>
             </a:fld>
             <a:endParaRPr lang="en-US"/>
           </a:p>
@@ -2906,7 +2915,7 @@
           <a:p>
             <a:fld id="{D1D39118-63FA-48E8-B5CD-F9073EEADE7F}" type="datetimeFigureOut">
               <a:rPr lang="en-US" smtClean="0"/>
-              <a:t>10/13/2021</a:t>
+              <a:t>10/17/2021</a:t>
             </a:fld>
             <a:endParaRPr lang="en-US"/>
           </a:p>
@@ -3438,7 +3447,7 @@
           <a:p>
             <a:pPr algn="l"/>
             <a:r>
-              <a:rPr lang="en-US" b="0" i="0" dirty="0">
+              <a:rPr lang="en-US" b="1" i="0" dirty="0">
                 <a:solidFill>
                   <a:srgbClr val="24292F"/>
                 </a:solidFill>
@@ -4879,6 +4888,2497 @@
     <p:extLst>
       <p:ext uri="{BB962C8B-B14F-4D97-AF65-F5344CB8AC3E}">
         <p14:creationId xmlns:p14="http://schemas.microsoft.com/office/powerpoint/2010/main" val="128119031"/>
+      </p:ext>
+    </p:extLst>
+  </p:cSld>
+  <p:clrMapOvr>
+    <a:masterClrMapping/>
+  </p:clrMapOvr>
+</p:sld>
+</file>
+
+<file path=ppt/slides/slide4.xml><?xml version="1.0" encoding="utf-8"?>
+<p:sld xmlns:a="http://schemas.openxmlformats.org/drawingml/2006/main" xmlns:r="http://schemas.openxmlformats.org/officeDocument/2006/relationships" xmlns:p="http://schemas.openxmlformats.org/presentationml/2006/main">
+  <p:cSld>
+    <p:spTree>
+      <p:nvGrpSpPr>
+        <p:cNvPr id="1" name=""/>
+        <p:cNvGrpSpPr/>
+        <p:nvPr/>
+      </p:nvGrpSpPr>
+      <p:grpSpPr>
+        <a:xfrm>
+          <a:off x="0" y="0"/>
+          <a:ext cx="0" cy="0"/>
+          <a:chOff x="0" y="0"/>
+          <a:chExt cx="0" cy="0"/>
+        </a:xfrm>
+      </p:grpSpPr>
+      <p:sp>
+        <p:nvSpPr>
+          <p:cNvPr id="5" name="TextBox 4">
+            <a:extLst>
+              <a:ext uri="{FF2B5EF4-FFF2-40B4-BE49-F238E27FC236}">
+                <a16:creationId xmlns:a16="http://schemas.microsoft.com/office/drawing/2014/main" id="{8A51FF77-7EB4-415C-AD5B-2F1E03F34659}"/>
+              </a:ext>
+            </a:extLst>
+          </p:cNvPr>
+          <p:cNvSpPr txBox="1"/>
+          <p:nvPr/>
+        </p:nvSpPr>
+        <p:spPr>
+          <a:xfrm>
+            <a:off x="503582" y="1292748"/>
+            <a:ext cx="10787270" cy="3970318"/>
+          </a:xfrm>
+          <a:prstGeom prst="rect">
+            <a:avLst/>
+          </a:prstGeom>
+          <a:noFill/>
+        </p:spPr>
+        <p:txBody>
+          <a:bodyPr wrap="square">
+            <a:spAutoFit/>
+          </a:bodyPr>
+          <a:lstStyle/>
+          <a:p>
+            <a:pPr algn="l"/>
+            <a:r>
+              <a:rPr lang="en-US" b="1" i="0" dirty="0">
+                <a:solidFill>
+                  <a:srgbClr val="24292F"/>
+                </a:solidFill>
+                <a:effectLst/>
+                <a:latin typeface="-apple-system"/>
+              </a:rPr>
+              <a:t>1. Create a TF .pb file and upload to S3</a:t>
+            </a:r>
+            <a:endParaRPr lang="en-US" b="1" dirty="0">
+              <a:solidFill>
+                <a:srgbClr val="000000"/>
+              </a:solidFill>
+              <a:effectLst/>
+              <a:latin typeface="Courier New" panose="02070309020205020404" pitchFamily="49" charset="0"/>
+            </a:endParaRPr>
+          </a:p>
+          <a:p>
+            <a:pPr algn="l"/>
+            <a:endParaRPr lang="en-US" b="0" i="0" dirty="0">
+              <a:solidFill>
+                <a:srgbClr val="24292F"/>
+              </a:solidFill>
+              <a:effectLst/>
+              <a:latin typeface="-apple-system"/>
+            </a:endParaRPr>
+          </a:p>
+          <a:p>
+            <a:pPr algn="l"/>
+            <a:endParaRPr lang="en-US" b="1" dirty="0">
+              <a:solidFill>
+                <a:srgbClr val="24292F"/>
+              </a:solidFill>
+              <a:latin typeface="-apple-system"/>
+            </a:endParaRPr>
+          </a:p>
+          <a:p>
+            <a:r>
+              <a:rPr lang="en-US" b="0" dirty="0" err="1">
+                <a:solidFill>
+                  <a:srgbClr val="000000"/>
+                </a:solidFill>
+                <a:effectLst/>
+                <a:latin typeface="Courier New" panose="02070309020205020404" pitchFamily="49" charset="0"/>
+              </a:rPr>
+              <a:t>export_dir</a:t>
+            </a:r>
+            <a:r>
+              <a:rPr lang="en-US" b="0" dirty="0">
+                <a:solidFill>
+                  <a:srgbClr val="000000"/>
+                </a:solidFill>
+                <a:effectLst/>
+                <a:latin typeface="Courier New" panose="02070309020205020404" pitchFamily="49" charset="0"/>
+              </a:rPr>
+              <a:t> = </a:t>
+            </a:r>
+            <a:r>
+              <a:rPr lang="en-US" b="0" dirty="0">
+                <a:solidFill>
+                  <a:srgbClr val="A31515"/>
+                </a:solidFill>
+                <a:effectLst/>
+                <a:latin typeface="Courier New" panose="02070309020205020404" pitchFamily="49" charset="0"/>
+              </a:rPr>
+              <a:t>'export/Servo/1/'</a:t>
+            </a:r>
+            <a:endParaRPr lang="en-US" b="0" dirty="0">
+              <a:solidFill>
+                <a:srgbClr val="000000"/>
+              </a:solidFill>
+              <a:effectLst/>
+              <a:latin typeface="Courier New" panose="02070309020205020404" pitchFamily="49" charset="0"/>
+            </a:endParaRPr>
+          </a:p>
+          <a:p>
+            <a:br>
+              <a:rPr lang="en-US" b="0" dirty="0">
+                <a:solidFill>
+                  <a:srgbClr val="000000"/>
+                </a:solidFill>
+                <a:effectLst/>
+                <a:latin typeface="Courier New" panose="02070309020205020404" pitchFamily="49" charset="0"/>
+              </a:rPr>
+            </a:br>
+            <a:r>
+              <a:rPr lang="en-US" b="0" dirty="0">
+                <a:solidFill>
+                  <a:srgbClr val="AF00DB"/>
+                </a:solidFill>
+                <a:effectLst/>
+                <a:latin typeface="Courier New" panose="02070309020205020404" pitchFamily="49" charset="0"/>
+              </a:rPr>
+              <a:t>import</a:t>
+            </a:r>
+            <a:r>
+              <a:rPr lang="en-US" b="0" dirty="0">
+                <a:solidFill>
+                  <a:srgbClr val="000000"/>
+                </a:solidFill>
+                <a:effectLst/>
+                <a:latin typeface="Courier New" panose="02070309020205020404" pitchFamily="49" charset="0"/>
+              </a:rPr>
+              <a:t> </a:t>
+            </a:r>
+            <a:r>
+              <a:rPr lang="en-US" b="0" dirty="0" err="1">
+                <a:solidFill>
+                  <a:srgbClr val="000000"/>
+                </a:solidFill>
+                <a:effectLst/>
+                <a:latin typeface="Courier New" panose="02070309020205020404" pitchFamily="49" charset="0"/>
+              </a:rPr>
+              <a:t>tensorflow</a:t>
+            </a:r>
+            <a:r>
+              <a:rPr lang="en-US" b="0" dirty="0">
+                <a:solidFill>
+                  <a:srgbClr val="000000"/>
+                </a:solidFill>
+                <a:effectLst/>
+                <a:latin typeface="Courier New" panose="02070309020205020404" pitchFamily="49" charset="0"/>
+              </a:rPr>
+              <a:t> </a:t>
+            </a:r>
+            <a:r>
+              <a:rPr lang="en-US" b="0" dirty="0">
+                <a:solidFill>
+                  <a:srgbClr val="AF00DB"/>
+                </a:solidFill>
+                <a:effectLst/>
+                <a:latin typeface="Courier New" panose="02070309020205020404" pitchFamily="49" charset="0"/>
+              </a:rPr>
+              <a:t>as</a:t>
+            </a:r>
+            <a:r>
+              <a:rPr lang="en-US" b="0" dirty="0">
+                <a:solidFill>
+                  <a:srgbClr val="000000"/>
+                </a:solidFill>
+                <a:effectLst/>
+                <a:latin typeface="Courier New" panose="02070309020205020404" pitchFamily="49" charset="0"/>
+              </a:rPr>
+              <a:t> </a:t>
+            </a:r>
+            <a:r>
+              <a:rPr lang="en-US" b="0" dirty="0" err="1">
+                <a:solidFill>
+                  <a:srgbClr val="000000"/>
+                </a:solidFill>
+                <a:effectLst/>
+                <a:latin typeface="Courier New" panose="02070309020205020404" pitchFamily="49" charset="0"/>
+              </a:rPr>
+              <a:t>tf</a:t>
+            </a:r>
+            <a:endParaRPr lang="en-US" b="0" dirty="0">
+              <a:solidFill>
+                <a:srgbClr val="000000"/>
+              </a:solidFill>
+              <a:effectLst/>
+              <a:latin typeface="Courier New" panose="02070309020205020404" pitchFamily="49" charset="0"/>
+            </a:endParaRPr>
+          </a:p>
+          <a:p>
+            <a:r>
+              <a:rPr lang="en-US" b="0" dirty="0" err="1">
+                <a:solidFill>
+                  <a:srgbClr val="000000"/>
+                </a:solidFill>
+                <a:effectLst/>
+                <a:latin typeface="Courier New" panose="02070309020205020404" pitchFamily="49" charset="0"/>
+              </a:rPr>
+              <a:t>tf.saved_model.save</a:t>
+            </a:r>
+            <a:r>
+              <a:rPr lang="en-US" b="0" dirty="0">
+                <a:solidFill>
+                  <a:srgbClr val="000000"/>
+                </a:solidFill>
+                <a:effectLst/>
+                <a:latin typeface="Courier New" panose="02070309020205020404" pitchFamily="49" charset="0"/>
+              </a:rPr>
+              <a:t>(model, </a:t>
+            </a:r>
+            <a:r>
+              <a:rPr lang="en-US" b="0" dirty="0" err="1">
+                <a:solidFill>
+                  <a:srgbClr val="000000"/>
+                </a:solidFill>
+                <a:effectLst/>
+                <a:latin typeface="Courier New" panose="02070309020205020404" pitchFamily="49" charset="0"/>
+              </a:rPr>
+              <a:t>export_dir</a:t>
+            </a:r>
+            <a:r>
+              <a:rPr lang="en-US" b="0" dirty="0">
+                <a:solidFill>
+                  <a:srgbClr val="000000"/>
+                </a:solidFill>
+                <a:effectLst/>
+                <a:latin typeface="Courier New" panose="02070309020205020404" pitchFamily="49" charset="0"/>
+              </a:rPr>
+              <a:t>)</a:t>
+            </a:r>
+          </a:p>
+          <a:p>
+            <a:br>
+              <a:rPr lang="en-US" b="0" dirty="0">
+                <a:solidFill>
+                  <a:srgbClr val="000000"/>
+                </a:solidFill>
+                <a:effectLst/>
+                <a:latin typeface="Courier New" panose="02070309020205020404" pitchFamily="49" charset="0"/>
+              </a:rPr>
+            </a:br>
+            <a:r>
+              <a:rPr lang="en-US" b="0" dirty="0">
+                <a:solidFill>
+                  <a:srgbClr val="AF00DB"/>
+                </a:solidFill>
+                <a:effectLst/>
+                <a:latin typeface="Courier New" panose="02070309020205020404" pitchFamily="49" charset="0"/>
+              </a:rPr>
+              <a:t>import</a:t>
+            </a:r>
+            <a:r>
+              <a:rPr lang="en-US" b="0" dirty="0">
+                <a:solidFill>
+                  <a:srgbClr val="000000"/>
+                </a:solidFill>
+                <a:effectLst/>
+                <a:latin typeface="Courier New" panose="02070309020205020404" pitchFamily="49" charset="0"/>
+              </a:rPr>
+              <a:t> tarfile</a:t>
+            </a:r>
+          </a:p>
+          <a:p>
+            <a:br>
+              <a:rPr lang="en-US" b="0" dirty="0">
+                <a:solidFill>
+                  <a:srgbClr val="000000"/>
+                </a:solidFill>
+                <a:effectLst/>
+                <a:latin typeface="Courier New" panose="02070309020205020404" pitchFamily="49" charset="0"/>
+              </a:rPr>
+            </a:br>
+            <a:r>
+              <a:rPr lang="en-US" b="0" dirty="0" err="1">
+                <a:solidFill>
+                  <a:srgbClr val="000000"/>
+                </a:solidFill>
+                <a:effectLst/>
+                <a:latin typeface="Courier New" panose="02070309020205020404" pitchFamily="49" charset="0"/>
+              </a:rPr>
+              <a:t>output_filename</a:t>
+            </a:r>
+            <a:r>
+              <a:rPr lang="en-US" b="0" dirty="0">
+                <a:solidFill>
+                  <a:srgbClr val="000000"/>
+                </a:solidFill>
+                <a:effectLst/>
+                <a:latin typeface="Courier New" panose="02070309020205020404" pitchFamily="49" charset="0"/>
+              </a:rPr>
+              <a:t>=</a:t>
+            </a:r>
+            <a:r>
+              <a:rPr lang="en-US" b="0" dirty="0">
+                <a:solidFill>
+                  <a:srgbClr val="A31515"/>
+                </a:solidFill>
+                <a:effectLst/>
+                <a:latin typeface="Courier New" panose="02070309020205020404" pitchFamily="49" charset="0"/>
+              </a:rPr>
+              <a:t>"/content/model.tar.gz"</a:t>
+            </a:r>
+            <a:endParaRPr lang="en-US" b="0" dirty="0">
+              <a:solidFill>
+                <a:srgbClr val="000000"/>
+              </a:solidFill>
+              <a:effectLst/>
+              <a:latin typeface="Courier New" panose="02070309020205020404" pitchFamily="49" charset="0"/>
+            </a:endParaRPr>
+          </a:p>
+          <a:p>
+            <a:r>
+              <a:rPr lang="en-US" b="0" dirty="0">
+                <a:solidFill>
+                  <a:srgbClr val="AF00DB"/>
+                </a:solidFill>
+                <a:effectLst/>
+                <a:latin typeface="Courier New" panose="02070309020205020404" pitchFamily="49" charset="0"/>
+              </a:rPr>
+              <a:t>with</a:t>
+            </a:r>
+            <a:r>
+              <a:rPr lang="en-US" b="0" dirty="0">
+                <a:solidFill>
+                  <a:srgbClr val="000000"/>
+                </a:solidFill>
+                <a:effectLst/>
+                <a:latin typeface="Courier New" panose="02070309020205020404" pitchFamily="49" charset="0"/>
+              </a:rPr>
+              <a:t> </a:t>
+            </a:r>
+            <a:r>
+              <a:rPr lang="en-US" b="0" dirty="0" err="1">
+                <a:solidFill>
+                  <a:srgbClr val="000000"/>
+                </a:solidFill>
+                <a:effectLst/>
+                <a:latin typeface="Courier New" panose="02070309020205020404" pitchFamily="49" charset="0"/>
+              </a:rPr>
+              <a:t>tarfile.</a:t>
+            </a:r>
+            <a:r>
+              <a:rPr lang="en-US" b="0" dirty="0" err="1">
+                <a:solidFill>
+                  <a:srgbClr val="795E26"/>
+                </a:solidFill>
+                <a:effectLst/>
+                <a:latin typeface="Courier New" panose="02070309020205020404" pitchFamily="49" charset="0"/>
+              </a:rPr>
+              <a:t>open</a:t>
+            </a:r>
+            <a:r>
+              <a:rPr lang="en-US" b="0" dirty="0">
+                <a:solidFill>
+                  <a:srgbClr val="000000"/>
+                </a:solidFill>
+                <a:effectLst/>
+                <a:latin typeface="Courier New" panose="02070309020205020404" pitchFamily="49" charset="0"/>
+              </a:rPr>
+              <a:t>(</a:t>
+            </a:r>
+            <a:r>
+              <a:rPr lang="en-US" b="0" dirty="0" err="1">
+                <a:solidFill>
+                  <a:srgbClr val="000000"/>
+                </a:solidFill>
+                <a:effectLst/>
+                <a:latin typeface="Courier New" panose="02070309020205020404" pitchFamily="49" charset="0"/>
+              </a:rPr>
+              <a:t>output_filename</a:t>
+            </a:r>
+            <a:r>
+              <a:rPr lang="en-US" b="0" dirty="0">
+                <a:solidFill>
+                  <a:srgbClr val="000000"/>
+                </a:solidFill>
+                <a:effectLst/>
+                <a:latin typeface="Courier New" panose="02070309020205020404" pitchFamily="49" charset="0"/>
+              </a:rPr>
+              <a:t>, </a:t>
+            </a:r>
+            <a:r>
+              <a:rPr lang="en-US" b="0" dirty="0">
+                <a:solidFill>
+                  <a:srgbClr val="A31515"/>
+                </a:solidFill>
+                <a:effectLst/>
+                <a:latin typeface="Courier New" panose="02070309020205020404" pitchFamily="49" charset="0"/>
+              </a:rPr>
+              <a:t>"w:gz"</a:t>
+            </a:r>
+            <a:r>
+              <a:rPr lang="en-US" b="0" dirty="0">
+                <a:solidFill>
+                  <a:srgbClr val="000000"/>
+                </a:solidFill>
+                <a:effectLst/>
+                <a:latin typeface="Courier New" panose="02070309020205020404" pitchFamily="49" charset="0"/>
+              </a:rPr>
+              <a:t>) </a:t>
+            </a:r>
+            <a:r>
+              <a:rPr lang="en-US" b="0" dirty="0">
+                <a:solidFill>
+                  <a:srgbClr val="AF00DB"/>
+                </a:solidFill>
+                <a:effectLst/>
+                <a:latin typeface="Courier New" panose="02070309020205020404" pitchFamily="49" charset="0"/>
+              </a:rPr>
+              <a:t>as</a:t>
+            </a:r>
+            <a:r>
+              <a:rPr lang="en-US" b="0" dirty="0">
+                <a:solidFill>
+                  <a:srgbClr val="000000"/>
+                </a:solidFill>
+                <a:effectLst/>
+                <a:latin typeface="Courier New" panose="02070309020205020404" pitchFamily="49" charset="0"/>
+              </a:rPr>
+              <a:t> tar:</a:t>
+            </a:r>
+          </a:p>
+          <a:p>
+            <a:r>
+              <a:rPr lang="en-US" b="0" dirty="0">
+                <a:solidFill>
+                  <a:srgbClr val="000000"/>
+                </a:solidFill>
+                <a:effectLst/>
+                <a:latin typeface="Courier New" panose="02070309020205020404" pitchFamily="49" charset="0"/>
+              </a:rPr>
+              <a:t>    </a:t>
+            </a:r>
+            <a:r>
+              <a:rPr lang="en-US" b="0" dirty="0" err="1">
+                <a:solidFill>
+                  <a:srgbClr val="000000"/>
+                </a:solidFill>
+                <a:effectLst/>
+                <a:latin typeface="Courier New" panose="02070309020205020404" pitchFamily="49" charset="0"/>
+              </a:rPr>
+              <a:t>tar.add</a:t>
+            </a:r>
+            <a:r>
+              <a:rPr lang="en-US" b="0" dirty="0">
+                <a:solidFill>
+                  <a:srgbClr val="000000"/>
+                </a:solidFill>
+                <a:effectLst/>
+                <a:latin typeface="Courier New" panose="02070309020205020404" pitchFamily="49" charset="0"/>
+              </a:rPr>
+              <a:t>(</a:t>
+            </a:r>
+            <a:r>
+              <a:rPr lang="en-US" b="0" dirty="0">
+                <a:solidFill>
+                  <a:srgbClr val="A31515"/>
+                </a:solidFill>
+                <a:effectLst/>
+                <a:latin typeface="Courier New" panose="02070309020205020404" pitchFamily="49" charset="0"/>
+              </a:rPr>
+              <a:t>"export"</a:t>
+            </a:r>
+            <a:r>
+              <a:rPr lang="en-US" b="0" dirty="0">
+                <a:solidFill>
+                  <a:srgbClr val="000000"/>
+                </a:solidFill>
+                <a:effectLst/>
+                <a:latin typeface="Courier New" panose="02070309020205020404" pitchFamily="49" charset="0"/>
+              </a:rPr>
+              <a:t>)</a:t>
+            </a:r>
+          </a:p>
+          <a:p>
+            <a:pPr algn="l"/>
+            <a:endParaRPr lang="en-US" b="0" i="0" dirty="0">
+              <a:solidFill>
+                <a:srgbClr val="24292F"/>
+              </a:solidFill>
+              <a:effectLst/>
+              <a:latin typeface="-apple-system"/>
+            </a:endParaRPr>
+          </a:p>
+        </p:txBody>
+      </p:sp>
+      <p:sp>
+        <p:nvSpPr>
+          <p:cNvPr id="6" name="TextBox 5">
+            <a:extLst>
+              <a:ext uri="{FF2B5EF4-FFF2-40B4-BE49-F238E27FC236}">
+                <a16:creationId xmlns:a16="http://schemas.microsoft.com/office/drawing/2014/main" id="{24C0229C-76D6-4EB6-B1C7-41BAE00E19B9}"/>
+              </a:ext>
+            </a:extLst>
+          </p:cNvPr>
+          <p:cNvSpPr txBox="1"/>
+          <p:nvPr/>
+        </p:nvSpPr>
+        <p:spPr>
+          <a:xfrm>
+            <a:off x="450574" y="769528"/>
+            <a:ext cx="5446643" cy="523220"/>
+          </a:xfrm>
+          <a:prstGeom prst="rect">
+            <a:avLst/>
+          </a:prstGeom>
+          <a:noFill/>
+        </p:spPr>
+        <p:txBody>
+          <a:bodyPr wrap="square" rtlCol="0">
+            <a:spAutoFit/>
+          </a:bodyPr>
+          <a:lstStyle/>
+          <a:p>
+            <a:r>
+              <a:rPr lang="en-US" sz="2800" b="1" dirty="0"/>
+              <a:t>AWS End point</a:t>
+            </a:r>
+          </a:p>
+        </p:txBody>
+      </p:sp>
+    </p:spTree>
+    <p:extLst>
+      <p:ext uri="{BB962C8B-B14F-4D97-AF65-F5344CB8AC3E}">
+        <p14:creationId xmlns:p14="http://schemas.microsoft.com/office/powerpoint/2010/main" val="1463434434"/>
+      </p:ext>
+    </p:extLst>
+  </p:cSld>
+  <p:clrMapOvr>
+    <a:masterClrMapping/>
+  </p:clrMapOvr>
+</p:sld>
+</file>
+
+<file path=ppt/slides/slide5.xml><?xml version="1.0" encoding="utf-8"?>
+<p:sld xmlns:a="http://schemas.openxmlformats.org/drawingml/2006/main" xmlns:r="http://schemas.openxmlformats.org/officeDocument/2006/relationships" xmlns:p="http://schemas.openxmlformats.org/presentationml/2006/main">
+  <p:cSld>
+    <p:spTree>
+      <p:nvGrpSpPr>
+        <p:cNvPr id="1" name=""/>
+        <p:cNvGrpSpPr/>
+        <p:nvPr/>
+      </p:nvGrpSpPr>
+      <p:grpSpPr>
+        <a:xfrm>
+          <a:off x="0" y="0"/>
+          <a:ext cx="0" cy="0"/>
+          <a:chOff x="0" y="0"/>
+          <a:chExt cx="0" cy="0"/>
+        </a:xfrm>
+      </p:grpSpPr>
+      <p:sp>
+        <p:nvSpPr>
+          <p:cNvPr id="5" name="TextBox 4">
+            <a:extLst>
+              <a:ext uri="{FF2B5EF4-FFF2-40B4-BE49-F238E27FC236}">
+                <a16:creationId xmlns:a16="http://schemas.microsoft.com/office/drawing/2014/main" id="{8A51FF77-7EB4-415C-AD5B-2F1E03F34659}"/>
+              </a:ext>
+            </a:extLst>
+          </p:cNvPr>
+          <p:cNvSpPr txBox="1"/>
+          <p:nvPr/>
+        </p:nvSpPr>
+        <p:spPr>
+          <a:xfrm>
+            <a:off x="503582" y="1292748"/>
+            <a:ext cx="10787270" cy="4801314"/>
+          </a:xfrm>
+          <a:prstGeom prst="rect">
+            <a:avLst/>
+          </a:prstGeom>
+          <a:noFill/>
+        </p:spPr>
+        <p:txBody>
+          <a:bodyPr wrap="square">
+            <a:spAutoFit/>
+          </a:bodyPr>
+          <a:lstStyle/>
+          <a:p>
+            <a:pPr algn="l"/>
+            <a:r>
+              <a:rPr lang="en-US" b="1" i="0" dirty="0">
+                <a:solidFill>
+                  <a:srgbClr val="24292F"/>
+                </a:solidFill>
+                <a:effectLst/>
+                <a:latin typeface="-apple-system"/>
+              </a:rPr>
+              <a:t>1. Create a TF .pb file and upload to S3</a:t>
+            </a:r>
+            <a:endParaRPr lang="en-US" b="1" dirty="0">
+              <a:solidFill>
+                <a:srgbClr val="000000"/>
+              </a:solidFill>
+              <a:effectLst/>
+              <a:latin typeface="Courier New" panose="02070309020205020404" pitchFamily="49" charset="0"/>
+            </a:endParaRPr>
+          </a:p>
+          <a:p>
+            <a:pPr algn="l"/>
+            <a:endParaRPr lang="en-US" b="0" i="0" dirty="0">
+              <a:solidFill>
+                <a:srgbClr val="24292F"/>
+              </a:solidFill>
+              <a:effectLst/>
+              <a:latin typeface="-apple-system"/>
+            </a:endParaRPr>
+          </a:p>
+          <a:p>
+            <a:pPr algn="l"/>
+            <a:endParaRPr lang="en-US" b="1" dirty="0">
+              <a:solidFill>
+                <a:srgbClr val="24292F"/>
+              </a:solidFill>
+              <a:latin typeface="-apple-system"/>
+            </a:endParaRPr>
+          </a:p>
+          <a:p>
+            <a:r>
+              <a:rPr lang="en-US" b="0" dirty="0">
+                <a:solidFill>
+                  <a:srgbClr val="0000FF"/>
+                </a:solidFill>
+                <a:effectLst/>
+                <a:latin typeface="Courier New" panose="02070309020205020404" pitchFamily="49" charset="0"/>
+              </a:rPr>
+              <a:t>!</a:t>
+            </a:r>
+            <a:r>
+              <a:rPr lang="en-US" b="0" dirty="0">
+                <a:solidFill>
+                  <a:srgbClr val="000000"/>
+                </a:solidFill>
+                <a:effectLst/>
+                <a:latin typeface="Courier New" panose="02070309020205020404" pitchFamily="49" charset="0"/>
+              </a:rPr>
+              <a:t>pip install boto3</a:t>
+            </a:r>
+          </a:p>
+          <a:p>
+            <a:r>
+              <a:rPr lang="en-US" b="0" dirty="0">
+                <a:solidFill>
+                  <a:srgbClr val="AF00DB"/>
+                </a:solidFill>
+                <a:effectLst/>
+                <a:latin typeface="Courier New" panose="02070309020205020404" pitchFamily="49" charset="0"/>
+              </a:rPr>
+              <a:t>import</a:t>
+            </a:r>
+            <a:r>
+              <a:rPr lang="en-US" b="0" dirty="0">
+                <a:solidFill>
+                  <a:srgbClr val="000000"/>
+                </a:solidFill>
+                <a:effectLst/>
+                <a:latin typeface="Courier New" panose="02070309020205020404" pitchFamily="49" charset="0"/>
+              </a:rPr>
+              <a:t> boto3</a:t>
+            </a:r>
+          </a:p>
+          <a:p>
+            <a:r>
+              <a:rPr lang="en-US" b="0" dirty="0">
+                <a:solidFill>
+                  <a:srgbClr val="AF00DB"/>
+                </a:solidFill>
+                <a:effectLst/>
+                <a:latin typeface="Courier New" panose="02070309020205020404" pitchFamily="49" charset="0"/>
+              </a:rPr>
+              <a:t>from</a:t>
+            </a:r>
+            <a:r>
+              <a:rPr lang="en-US" b="0" dirty="0">
+                <a:solidFill>
+                  <a:srgbClr val="000000"/>
+                </a:solidFill>
+                <a:effectLst/>
+                <a:latin typeface="Courier New" panose="02070309020205020404" pitchFamily="49" charset="0"/>
+              </a:rPr>
+              <a:t> boto3.session </a:t>
+            </a:r>
+            <a:r>
+              <a:rPr lang="en-US" b="0" dirty="0">
+                <a:solidFill>
+                  <a:srgbClr val="AF00DB"/>
+                </a:solidFill>
+                <a:effectLst/>
+                <a:latin typeface="Courier New" panose="02070309020205020404" pitchFamily="49" charset="0"/>
+              </a:rPr>
+              <a:t>import</a:t>
+            </a:r>
+            <a:r>
+              <a:rPr lang="en-US" b="0" dirty="0">
+                <a:solidFill>
+                  <a:srgbClr val="000000"/>
+                </a:solidFill>
+                <a:effectLst/>
+                <a:latin typeface="Courier New" panose="02070309020205020404" pitchFamily="49" charset="0"/>
+              </a:rPr>
+              <a:t> Session</a:t>
+            </a:r>
+          </a:p>
+          <a:p>
+            <a:br>
+              <a:rPr lang="en-US" b="0" dirty="0">
+                <a:solidFill>
+                  <a:srgbClr val="000000"/>
+                </a:solidFill>
+                <a:effectLst/>
+                <a:latin typeface="Courier New" panose="02070309020205020404" pitchFamily="49" charset="0"/>
+              </a:rPr>
+            </a:br>
+            <a:r>
+              <a:rPr lang="en-US" b="0" dirty="0">
+                <a:solidFill>
+                  <a:srgbClr val="000000"/>
+                </a:solidFill>
+                <a:effectLst/>
+                <a:latin typeface="Courier New" panose="02070309020205020404" pitchFamily="49" charset="0"/>
+              </a:rPr>
+              <a:t>AWS_ACCESS_KEY_ID = </a:t>
+            </a:r>
+            <a:r>
+              <a:rPr lang="en-US" b="0" dirty="0">
+                <a:solidFill>
+                  <a:srgbClr val="A31515"/>
+                </a:solidFill>
+                <a:effectLst/>
+                <a:latin typeface="Courier New" panose="02070309020205020404" pitchFamily="49" charset="0"/>
+              </a:rPr>
+              <a:t>'XXXXXXXXXXXXXXXXXXXXXXXXXXXX'</a:t>
+            </a:r>
+            <a:endParaRPr lang="en-US" b="0" dirty="0">
+              <a:solidFill>
+                <a:srgbClr val="000000"/>
+              </a:solidFill>
+              <a:effectLst/>
+              <a:latin typeface="Courier New" panose="02070309020205020404" pitchFamily="49" charset="0"/>
+            </a:endParaRPr>
+          </a:p>
+          <a:p>
+            <a:r>
+              <a:rPr lang="en-US" b="0" dirty="0">
+                <a:solidFill>
+                  <a:srgbClr val="000000"/>
+                </a:solidFill>
+                <a:effectLst/>
+                <a:latin typeface="Courier New" panose="02070309020205020404" pitchFamily="49" charset="0"/>
+              </a:rPr>
+              <a:t>AWS_SECRET_ACCESS_KEY = </a:t>
+            </a:r>
+            <a:r>
+              <a:rPr lang="en-US" b="0" dirty="0">
+                <a:solidFill>
+                  <a:srgbClr val="A31515"/>
+                </a:solidFill>
+                <a:effectLst/>
+                <a:latin typeface="Courier New" panose="02070309020205020404" pitchFamily="49" charset="0"/>
+              </a:rPr>
+              <a:t>'XXXXXXXXXXXXXXXXXXXXXXXXXXXX'</a:t>
+            </a:r>
+            <a:endParaRPr lang="en-US" b="0" dirty="0">
+              <a:solidFill>
+                <a:srgbClr val="000000"/>
+              </a:solidFill>
+              <a:effectLst/>
+              <a:latin typeface="Courier New" panose="02070309020205020404" pitchFamily="49" charset="0"/>
+            </a:endParaRPr>
+          </a:p>
+          <a:p>
+            <a:br>
+              <a:rPr lang="en-US" b="0" dirty="0">
+                <a:solidFill>
+                  <a:srgbClr val="000000"/>
+                </a:solidFill>
+                <a:effectLst/>
+                <a:latin typeface="Courier New" panose="02070309020205020404" pitchFamily="49" charset="0"/>
+              </a:rPr>
+            </a:br>
+            <a:r>
+              <a:rPr lang="en-US" b="0" dirty="0">
+                <a:solidFill>
+                  <a:srgbClr val="000000"/>
+                </a:solidFill>
+                <a:effectLst/>
+                <a:latin typeface="Courier New" panose="02070309020205020404" pitchFamily="49" charset="0"/>
+              </a:rPr>
+              <a:t>session = Session(</a:t>
+            </a:r>
+            <a:r>
+              <a:rPr lang="en-US" b="0" dirty="0" err="1">
+                <a:solidFill>
+                  <a:srgbClr val="000000"/>
+                </a:solidFill>
+                <a:effectLst/>
+                <a:latin typeface="Courier New" panose="02070309020205020404" pitchFamily="49" charset="0"/>
+              </a:rPr>
+              <a:t>aws_access_key_id</a:t>
+            </a:r>
+            <a:r>
+              <a:rPr lang="en-US" b="0" dirty="0">
+                <a:solidFill>
+                  <a:srgbClr val="000000"/>
+                </a:solidFill>
+                <a:effectLst/>
+                <a:latin typeface="Courier New" panose="02070309020205020404" pitchFamily="49" charset="0"/>
+              </a:rPr>
+              <a:t>=</a:t>
+            </a:r>
+            <a:r>
+              <a:rPr lang="en-US" b="0" dirty="0" err="1">
+                <a:solidFill>
+                  <a:srgbClr val="000000"/>
+                </a:solidFill>
+                <a:effectLst/>
+                <a:latin typeface="Courier New" panose="02070309020205020404" pitchFamily="49" charset="0"/>
+              </a:rPr>
+              <a:t>AWS_ACCESS_KEY_ID,aws_secret_access_key</a:t>
+            </a:r>
+            <a:r>
+              <a:rPr lang="en-US" b="0" dirty="0">
+                <a:solidFill>
+                  <a:srgbClr val="000000"/>
+                </a:solidFill>
+                <a:effectLst/>
+                <a:latin typeface="Courier New" panose="02070309020205020404" pitchFamily="49" charset="0"/>
+              </a:rPr>
+              <a:t>=AWS_SECRET_ACCESS_KEY)</a:t>
+            </a:r>
+          </a:p>
+          <a:p>
+            <a:r>
+              <a:rPr lang="en-US" b="0" dirty="0">
+                <a:solidFill>
+                  <a:srgbClr val="000000"/>
+                </a:solidFill>
+                <a:effectLst/>
+                <a:latin typeface="Courier New" panose="02070309020205020404" pitchFamily="49" charset="0"/>
+              </a:rPr>
+              <a:t>s3 = </a:t>
+            </a:r>
+            <a:r>
+              <a:rPr lang="en-US" b="0" dirty="0" err="1">
+                <a:solidFill>
+                  <a:srgbClr val="000000"/>
+                </a:solidFill>
+                <a:effectLst/>
+                <a:latin typeface="Courier New" panose="02070309020205020404" pitchFamily="49" charset="0"/>
+              </a:rPr>
+              <a:t>session.resource</a:t>
+            </a:r>
+            <a:r>
+              <a:rPr lang="en-US" b="0" dirty="0">
+                <a:solidFill>
+                  <a:srgbClr val="000000"/>
+                </a:solidFill>
+                <a:effectLst/>
+                <a:latin typeface="Courier New" panose="02070309020205020404" pitchFamily="49" charset="0"/>
+              </a:rPr>
+              <a:t>(</a:t>
+            </a:r>
+            <a:r>
+              <a:rPr lang="en-US" b="0" dirty="0">
+                <a:solidFill>
+                  <a:srgbClr val="A31515"/>
+                </a:solidFill>
+                <a:effectLst/>
+                <a:latin typeface="Courier New" panose="02070309020205020404" pitchFamily="49" charset="0"/>
+              </a:rPr>
+              <a:t>'s3'</a:t>
+            </a:r>
+            <a:r>
+              <a:rPr lang="en-US" b="0" dirty="0">
+                <a:solidFill>
+                  <a:srgbClr val="000000"/>
+                </a:solidFill>
+                <a:effectLst/>
+                <a:latin typeface="Courier New" panose="02070309020205020404" pitchFamily="49" charset="0"/>
+              </a:rPr>
+              <a:t>)</a:t>
+            </a:r>
+          </a:p>
+          <a:p>
+            <a:br>
+              <a:rPr lang="en-US" b="0" dirty="0">
+                <a:solidFill>
+                  <a:srgbClr val="000000"/>
+                </a:solidFill>
+                <a:effectLst/>
+                <a:latin typeface="Courier New" panose="02070309020205020404" pitchFamily="49" charset="0"/>
+              </a:rPr>
+            </a:br>
+            <a:r>
+              <a:rPr lang="en-US" b="0" dirty="0">
+                <a:solidFill>
+                  <a:srgbClr val="000000"/>
+                </a:solidFill>
+                <a:effectLst/>
+                <a:latin typeface="Courier New" panose="02070309020205020404" pitchFamily="49" charset="0"/>
+              </a:rPr>
+              <a:t>BUCKET = </a:t>
+            </a:r>
+            <a:r>
+              <a:rPr lang="en-US" b="0" dirty="0">
+                <a:solidFill>
+                  <a:srgbClr val="A31515"/>
+                </a:solidFill>
+                <a:effectLst/>
+                <a:latin typeface="Courier New" panose="02070309020205020404" pitchFamily="49" charset="0"/>
+              </a:rPr>
+              <a:t>"ai-sec-mid"</a:t>
+            </a:r>
+            <a:endParaRPr lang="en-US" b="0" dirty="0">
+              <a:solidFill>
+                <a:srgbClr val="000000"/>
+              </a:solidFill>
+              <a:effectLst/>
+              <a:latin typeface="Courier New" panose="02070309020205020404" pitchFamily="49" charset="0"/>
+            </a:endParaRPr>
+          </a:p>
+          <a:p>
+            <a:r>
+              <a:rPr lang="en-US" b="0" dirty="0">
+                <a:solidFill>
+                  <a:srgbClr val="000000"/>
+                </a:solidFill>
+                <a:effectLst/>
+                <a:latin typeface="Courier New" panose="02070309020205020404" pitchFamily="49" charset="0"/>
+              </a:rPr>
+              <a:t>s3.Bucket(BUCKET).</a:t>
+            </a:r>
+            <a:r>
+              <a:rPr lang="en-US" b="0" dirty="0" err="1">
+                <a:solidFill>
+                  <a:srgbClr val="000000"/>
+                </a:solidFill>
+                <a:effectLst/>
+                <a:latin typeface="Courier New" panose="02070309020205020404" pitchFamily="49" charset="0"/>
+              </a:rPr>
+              <a:t>upload_file</a:t>
+            </a:r>
+            <a:r>
+              <a:rPr lang="en-US" b="0" dirty="0">
+                <a:solidFill>
+                  <a:srgbClr val="000000"/>
+                </a:solidFill>
+                <a:effectLst/>
+                <a:latin typeface="Courier New" panose="02070309020205020404" pitchFamily="49" charset="0"/>
+              </a:rPr>
+              <a:t>(</a:t>
+            </a:r>
+            <a:r>
+              <a:rPr lang="en-US" b="0" dirty="0" err="1">
+                <a:solidFill>
+                  <a:srgbClr val="000000"/>
+                </a:solidFill>
+                <a:effectLst/>
+                <a:latin typeface="Courier New" panose="02070309020205020404" pitchFamily="49" charset="0"/>
+              </a:rPr>
+              <a:t>output_filename</a:t>
+            </a:r>
+            <a:r>
+              <a:rPr lang="en-US" b="0" dirty="0">
+                <a:solidFill>
+                  <a:srgbClr val="000000"/>
+                </a:solidFill>
+                <a:effectLst/>
+                <a:latin typeface="Courier New" panose="02070309020205020404" pitchFamily="49" charset="0"/>
+              </a:rPr>
+              <a:t>, </a:t>
+            </a:r>
+            <a:r>
+              <a:rPr lang="en-US" b="0" dirty="0">
+                <a:solidFill>
+                  <a:srgbClr val="A31515"/>
+                </a:solidFill>
+                <a:effectLst/>
+                <a:latin typeface="Courier New" panose="02070309020205020404" pitchFamily="49" charset="0"/>
+              </a:rPr>
+              <a:t>"model.tar.gz"</a:t>
+            </a:r>
+            <a:r>
+              <a:rPr lang="en-US" b="0" dirty="0">
+                <a:solidFill>
+                  <a:srgbClr val="000000"/>
+                </a:solidFill>
+                <a:effectLst/>
+                <a:latin typeface="Courier New" panose="02070309020205020404" pitchFamily="49" charset="0"/>
+              </a:rPr>
+              <a:t>)</a:t>
+            </a:r>
+          </a:p>
+          <a:p>
+            <a:pPr algn="l"/>
+            <a:endParaRPr lang="en-US" b="0" i="0" dirty="0">
+              <a:solidFill>
+                <a:srgbClr val="24292F"/>
+              </a:solidFill>
+              <a:effectLst/>
+              <a:latin typeface="-apple-system"/>
+            </a:endParaRPr>
+          </a:p>
+        </p:txBody>
+      </p:sp>
+      <p:sp>
+        <p:nvSpPr>
+          <p:cNvPr id="6" name="TextBox 5">
+            <a:extLst>
+              <a:ext uri="{FF2B5EF4-FFF2-40B4-BE49-F238E27FC236}">
+                <a16:creationId xmlns:a16="http://schemas.microsoft.com/office/drawing/2014/main" id="{24C0229C-76D6-4EB6-B1C7-41BAE00E19B9}"/>
+              </a:ext>
+            </a:extLst>
+          </p:cNvPr>
+          <p:cNvSpPr txBox="1"/>
+          <p:nvPr/>
+        </p:nvSpPr>
+        <p:spPr>
+          <a:xfrm>
+            <a:off x="450574" y="769528"/>
+            <a:ext cx="5446643" cy="523220"/>
+          </a:xfrm>
+          <a:prstGeom prst="rect">
+            <a:avLst/>
+          </a:prstGeom>
+          <a:noFill/>
+        </p:spPr>
+        <p:txBody>
+          <a:bodyPr wrap="square" rtlCol="0">
+            <a:spAutoFit/>
+          </a:bodyPr>
+          <a:lstStyle/>
+          <a:p>
+            <a:r>
+              <a:rPr lang="en-US" sz="2800" b="1" dirty="0"/>
+              <a:t>AWS End point</a:t>
+            </a:r>
+          </a:p>
+        </p:txBody>
+      </p:sp>
+    </p:spTree>
+    <p:extLst>
+      <p:ext uri="{BB962C8B-B14F-4D97-AF65-F5344CB8AC3E}">
+        <p14:creationId xmlns:p14="http://schemas.microsoft.com/office/powerpoint/2010/main" val="3070802915"/>
+      </p:ext>
+    </p:extLst>
+  </p:cSld>
+  <p:clrMapOvr>
+    <a:masterClrMapping/>
+  </p:clrMapOvr>
+</p:sld>
+</file>
+
+<file path=ppt/slides/slide6.xml><?xml version="1.0" encoding="utf-8"?>
+<p:sld xmlns:a="http://schemas.openxmlformats.org/drawingml/2006/main" xmlns:r="http://schemas.openxmlformats.org/officeDocument/2006/relationships" xmlns:p="http://schemas.openxmlformats.org/presentationml/2006/main">
+  <p:cSld>
+    <p:spTree>
+      <p:nvGrpSpPr>
+        <p:cNvPr id="1" name=""/>
+        <p:cNvGrpSpPr/>
+        <p:nvPr/>
+      </p:nvGrpSpPr>
+      <p:grpSpPr>
+        <a:xfrm>
+          <a:off x="0" y="0"/>
+          <a:ext cx="0" cy="0"/>
+          <a:chOff x="0" y="0"/>
+          <a:chExt cx="0" cy="0"/>
+        </a:xfrm>
+      </p:grpSpPr>
+      <p:sp>
+        <p:nvSpPr>
+          <p:cNvPr id="5" name="TextBox 4">
+            <a:extLst>
+              <a:ext uri="{FF2B5EF4-FFF2-40B4-BE49-F238E27FC236}">
+                <a16:creationId xmlns:a16="http://schemas.microsoft.com/office/drawing/2014/main" id="{8A51FF77-7EB4-415C-AD5B-2F1E03F34659}"/>
+              </a:ext>
+            </a:extLst>
+          </p:cNvPr>
+          <p:cNvSpPr txBox="1"/>
+          <p:nvPr/>
+        </p:nvSpPr>
+        <p:spPr>
+          <a:xfrm>
+            <a:off x="503582" y="1292748"/>
+            <a:ext cx="10787270" cy="4801314"/>
+          </a:xfrm>
+          <a:prstGeom prst="rect">
+            <a:avLst/>
+          </a:prstGeom>
+          <a:noFill/>
+        </p:spPr>
+        <p:txBody>
+          <a:bodyPr wrap="square">
+            <a:spAutoFit/>
+          </a:bodyPr>
+          <a:lstStyle/>
+          <a:p>
+            <a:pPr algn="l"/>
+            <a:r>
+              <a:rPr lang="en-US" b="1" i="0" dirty="0">
+                <a:solidFill>
+                  <a:srgbClr val="24292F"/>
+                </a:solidFill>
+                <a:effectLst/>
+                <a:latin typeface="-apple-system"/>
+              </a:rPr>
+              <a:t>2. Deploy the Model as End Point</a:t>
+            </a:r>
+            <a:endParaRPr lang="en-US" b="1" dirty="0">
+              <a:solidFill>
+                <a:srgbClr val="000000"/>
+              </a:solidFill>
+              <a:effectLst/>
+              <a:latin typeface="Courier New" panose="02070309020205020404" pitchFamily="49" charset="0"/>
+            </a:endParaRPr>
+          </a:p>
+          <a:p>
+            <a:pPr algn="l"/>
+            <a:endParaRPr lang="en-US" b="0" i="0" dirty="0">
+              <a:solidFill>
+                <a:srgbClr val="24292F"/>
+              </a:solidFill>
+              <a:effectLst/>
+              <a:latin typeface="-apple-system"/>
+            </a:endParaRPr>
+          </a:p>
+          <a:p>
+            <a:r>
+              <a:rPr lang="en-US" b="0" dirty="0">
+                <a:solidFill>
+                  <a:srgbClr val="0000FF"/>
+                </a:solidFill>
+                <a:effectLst/>
+                <a:latin typeface="Courier New" panose="02070309020205020404" pitchFamily="49" charset="0"/>
+              </a:rPr>
+              <a:t>!</a:t>
+            </a:r>
+            <a:r>
+              <a:rPr lang="en-US" b="0" dirty="0">
+                <a:solidFill>
+                  <a:srgbClr val="000000"/>
+                </a:solidFill>
+                <a:effectLst/>
+                <a:latin typeface="Courier New" panose="02070309020205020404" pitchFamily="49" charset="0"/>
+              </a:rPr>
+              <a:t>pip install </a:t>
+            </a:r>
+            <a:r>
+              <a:rPr lang="en-US" b="0" dirty="0" err="1">
+                <a:solidFill>
+                  <a:srgbClr val="000000"/>
+                </a:solidFill>
+                <a:effectLst/>
+                <a:latin typeface="Courier New" panose="02070309020205020404" pitchFamily="49" charset="0"/>
+              </a:rPr>
+              <a:t>sagemaker</a:t>
+            </a:r>
+            <a:endParaRPr lang="en-US" b="0" dirty="0">
+              <a:solidFill>
+                <a:srgbClr val="000000"/>
+              </a:solidFill>
+              <a:effectLst/>
+              <a:latin typeface="Courier New" panose="02070309020205020404" pitchFamily="49" charset="0"/>
+            </a:endParaRPr>
+          </a:p>
+          <a:p>
+            <a:r>
+              <a:rPr lang="en-US" b="0" dirty="0">
+                <a:solidFill>
+                  <a:srgbClr val="AF00DB"/>
+                </a:solidFill>
+                <a:effectLst/>
+                <a:latin typeface="Courier New" panose="02070309020205020404" pitchFamily="49" charset="0"/>
+              </a:rPr>
+              <a:t>from</a:t>
+            </a:r>
+            <a:r>
+              <a:rPr lang="en-US" b="0" dirty="0">
+                <a:solidFill>
+                  <a:srgbClr val="000000"/>
+                </a:solidFill>
+                <a:effectLst/>
+                <a:latin typeface="Courier New" panose="02070309020205020404" pitchFamily="49" charset="0"/>
+              </a:rPr>
+              <a:t> </a:t>
+            </a:r>
+            <a:r>
+              <a:rPr lang="en-US" b="0" dirty="0" err="1">
+                <a:solidFill>
+                  <a:srgbClr val="000000"/>
+                </a:solidFill>
+                <a:effectLst/>
+                <a:latin typeface="Courier New" panose="02070309020205020404" pitchFamily="49" charset="0"/>
+              </a:rPr>
+              <a:t>sagemaker.tensorflow.model</a:t>
+            </a:r>
+            <a:r>
+              <a:rPr lang="en-US" b="0" dirty="0">
+                <a:solidFill>
+                  <a:srgbClr val="000000"/>
+                </a:solidFill>
+                <a:effectLst/>
+                <a:latin typeface="Courier New" panose="02070309020205020404" pitchFamily="49" charset="0"/>
+              </a:rPr>
+              <a:t> </a:t>
+            </a:r>
+            <a:r>
+              <a:rPr lang="en-US" b="0" dirty="0">
+                <a:solidFill>
+                  <a:srgbClr val="AF00DB"/>
+                </a:solidFill>
+                <a:effectLst/>
+                <a:latin typeface="Courier New" panose="02070309020205020404" pitchFamily="49" charset="0"/>
+              </a:rPr>
+              <a:t>import</a:t>
+            </a:r>
+            <a:r>
+              <a:rPr lang="en-US" b="0" dirty="0">
+                <a:solidFill>
+                  <a:srgbClr val="000000"/>
+                </a:solidFill>
+                <a:effectLst/>
+                <a:latin typeface="Courier New" panose="02070309020205020404" pitchFamily="49" charset="0"/>
+              </a:rPr>
+              <a:t> </a:t>
+            </a:r>
+            <a:r>
+              <a:rPr lang="en-US" b="0" dirty="0" err="1">
+                <a:solidFill>
+                  <a:srgbClr val="000000"/>
+                </a:solidFill>
+                <a:effectLst/>
+                <a:latin typeface="Courier New" panose="02070309020205020404" pitchFamily="49" charset="0"/>
+              </a:rPr>
+              <a:t>TensorFlowModel</a:t>
+            </a:r>
+            <a:endParaRPr lang="en-US" b="0" dirty="0">
+              <a:solidFill>
+                <a:srgbClr val="000000"/>
+              </a:solidFill>
+              <a:effectLst/>
+              <a:latin typeface="Courier New" panose="02070309020205020404" pitchFamily="49" charset="0"/>
+            </a:endParaRPr>
+          </a:p>
+          <a:p>
+            <a:br>
+              <a:rPr lang="en-US" b="0" dirty="0">
+                <a:solidFill>
+                  <a:srgbClr val="000000"/>
+                </a:solidFill>
+                <a:effectLst/>
+                <a:latin typeface="Courier New" panose="02070309020205020404" pitchFamily="49" charset="0"/>
+              </a:rPr>
+            </a:br>
+            <a:r>
+              <a:rPr lang="en-US" b="0" dirty="0">
+                <a:solidFill>
+                  <a:srgbClr val="AF00DB"/>
+                </a:solidFill>
+                <a:effectLst/>
+                <a:latin typeface="Courier New" panose="02070309020205020404" pitchFamily="49" charset="0"/>
+              </a:rPr>
+              <a:t>import</a:t>
+            </a:r>
+            <a:r>
+              <a:rPr lang="en-US" b="0" dirty="0">
+                <a:solidFill>
+                  <a:srgbClr val="000000"/>
+                </a:solidFill>
+                <a:effectLst/>
+                <a:latin typeface="Courier New" panose="02070309020205020404" pitchFamily="49" charset="0"/>
+              </a:rPr>
+              <a:t> </a:t>
+            </a:r>
+            <a:r>
+              <a:rPr lang="en-US" b="0" dirty="0" err="1">
+                <a:solidFill>
+                  <a:srgbClr val="000000"/>
+                </a:solidFill>
+                <a:effectLst/>
+                <a:latin typeface="Courier New" panose="02070309020205020404" pitchFamily="49" charset="0"/>
+              </a:rPr>
+              <a:t>os</a:t>
+            </a:r>
+            <a:endParaRPr lang="en-US" b="0" dirty="0">
+              <a:solidFill>
+                <a:srgbClr val="000000"/>
+              </a:solidFill>
+              <a:effectLst/>
+              <a:latin typeface="Courier New" panose="02070309020205020404" pitchFamily="49" charset="0"/>
+            </a:endParaRPr>
+          </a:p>
+          <a:p>
+            <a:r>
+              <a:rPr lang="en-US" b="0" dirty="0" err="1">
+                <a:solidFill>
+                  <a:srgbClr val="000000"/>
+                </a:solidFill>
+                <a:effectLst/>
+                <a:latin typeface="Courier New" panose="02070309020205020404" pitchFamily="49" charset="0"/>
+              </a:rPr>
+              <a:t>os.environ</a:t>
+            </a:r>
+            <a:r>
+              <a:rPr lang="en-US" b="0" dirty="0">
+                <a:solidFill>
+                  <a:srgbClr val="000000"/>
+                </a:solidFill>
+                <a:effectLst/>
+                <a:latin typeface="Courier New" panose="02070309020205020404" pitchFamily="49" charset="0"/>
+              </a:rPr>
+              <a:t>[</a:t>
+            </a:r>
+            <a:r>
+              <a:rPr lang="en-US" b="0" dirty="0">
+                <a:solidFill>
+                  <a:srgbClr val="A31515"/>
+                </a:solidFill>
+                <a:effectLst/>
+                <a:latin typeface="Courier New" panose="02070309020205020404" pitchFamily="49" charset="0"/>
+              </a:rPr>
+              <a:t>'AWS_DEFAULT_REGION'</a:t>
+            </a:r>
+            <a:r>
+              <a:rPr lang="en-US" b="0" dirty="0">
+                <a:solidFill>
+                  <a:srgbClr val="000000"/>
+                </a:solidFill>
+                <a:effectLst/>
+                <a:latin typeface="Courier New" panose="02070309020205020404" pitchFamily="49" charset="0"/>
+              </a:rPr>
+              <a:t>] = </a:t>
+            </a:r>
+            <a:r>
+              <a:rPr lang="en-US" b="0" dirty="0">
+                <a:solidFill>
+                  <a:srgbClr val="A31515"/>
+                </a:solidFill>
+                <a:effectLst/>
+                <a:latin typeface="Courier New" panose="02070309020205020404" pitchFamily="49" charset="0"/>
+              </a:rPr>
+              <a:t>'us-east-2'</a:t>
+            </a:r>
+            <a:endParaRPr lang="en-US" b="0" dirty="0">
+              <a:solidFill>
+                <a:srgbClr val="000000"/>
+              </a:solidFill>
+              <a:effectLst/>
+              <a:latin typeface="Courier New" panose="02070309020205020404" pitchFamily="49" charset="0"/>
+            </a:endParaRPr>
+          </a:p>
+          <a:p>
+            <a:r>
+              <a:rPr lang="en-US" b="0" dirty="0" err="1">
+                <a:solidFill>
+                  <a:srgbClr val="000000"/>
+                </a:solidFill>
+                <a:effectLst/>
+                <a:latin typeface="Courier New" panose="02070309020205020404" pitchFamily="49" charset="0"/>
+              </a:rPr>
+              <a:t>os.environ</a:t>
+            </a:r>
+            <a:r>
+              <a:rPr lang="en-US" b="0" dirty="0">
+                <a:solidFill>
+                  <a:srgbClr val="000000"/>
+                </a:solidFill>
+                <a:effectLst/>
+                <a:latin typeface="Courier New" panose="02070309020205020404" pitchFamily="49" charset="0"/>
+              </a:rPr>
+              <a:t>[</a:t>
+            </a:r>
+            <a:r>
+              <a:rPr lang="en-US" b="0" dirty="0">
+                <a:solidFill>
+                  <a:srgbClr val="A31515"/>
+                </a:solidFill>
+                <a:effectLst/>
+                <a:latin typeface="Courier New" panose="02070309020205020404" pitchFamily="49" charset="0"/>
+              </a:rPr>
+              <a:t>'AWS_ACCESS_KEY_ID'</a:t>
+            </a:r>
+            <a:r>
+              <a:rPr lang="en-US" b="0" dirty="0">
+                <a:solidFill>
+                  <a:srgbClr val="000000"/>
+                </a:solidFill>
+                <a:effectLst/>
+                <a:latin typeface="Courier New" panose="02070309020205020404" pitchFamily="49" charset="0"/>
+              </a:rPr>
+              <a:t>] = </a:t>
+            </a:r>
+            <a:r>
+              <a:rPr lang="en-US" b="0" dirty="0">
+                <a:solidFill>
+                  <a:srgbClr val="A31515"/>
+                </a:solidFill>
+                <a:effectLst/>
+                <a:latin typeface="Courier New" panose="02070309020205020404" pitchFamily="49" charset="0"/>
+              </a:rPr>
+              <a:t>'XXXXXXXXXXXXXXXXXXXXXXXXXXXX'</a:t>
+            </a:r>
+            <a:endParaRPr lang="en-US" b="0" dirty="0">
+              <a:solidFill>
+                <a:srgbClr val="000000"/>
+              </a:solidFill>
+              <a:effectLst/>
+              <a:latin typeface="Courier New" panose="02070309020205020404" pitchFamily="49" charset="0"/>
+            </a:endParaRPr>
+          </a:p>
+          <a:p>
+            <a:r>
+              <a:rPr lang="en-US" b="0" dirty="0" err="1">
+                <a:solidFill>
+                  <a:srgbClr val="000000"/>
+                </a:solidFill>
+                <a:effectLst/>
+                <a:latin typeface="Courier New" panose="02070309020205020404" pitchFamily="49" charset="0"/>
+              </a:rPr>
+              <a:t>os.environ</a:t>
+            </a:r>
+            <a:r>
+              <a:rPr lang="en-US" b="0" dirty="0">
+                <a:solidFill>
+                  <a:srgbClr val="000000"/>
+                </a:solidFill>
+                <a:effectLst/>
+                <a:latin typeface="Courier New" panose="02070309020205020404" pitchFamily="49" charset="0"/>
+              </a:rPr>
+              <a:t>[</a:t>
+            </a:r>
+            <a:r>
+              <a:rPr lang="en-US" b="0" dirty="0">
+                <a:solidFill>
+                  <a:srgbClr val="A31515"/>
+                </a:solidFill>
+                <a:effectLst/>
+                <a:latin typeface="Courier New" panose="02070309020205020404" pitchFamily="49" charset="0"/>
+              </a:rPr>
+              <a:t>'AWS_SECRET_ACCESS_KEY'</a:t>
+            </a:r>
+            <a:r>
+              <a:rPr lang="en-US" b="0" dirty="0">
+                <a:solidFill>
+                  <a:srgbClr val="000000"/>
+                </a:solidFill>
+                <a:effectLst/>
+                <a:latin typeface="Courier New" panose="02070309020205020404" pitchFamily="49" charset="0"/>
+              </a:rPr>
+              <a:t>] = </a:t>
+            </a:r>
+            <a:r>
+              <a:rPr lang="en-US" b="0" dirty="0">
+                <a:solidFill>
+                  <a:srgbClr val="A31515"/>
+                </a:solidFill>
+                <a:effectLst/>
+                <a:latin typeface="Courier New" panose="02070309020205020404" pitchFamily="49" charset="0"/>
+              </a:rPr>
+              <a:t>'XXXXXXXXXXXXXXXXXXXXXXXXXXXX'</a:t>
+            </a:r>
+            <a:endParaRPr lang="en-US" b="0" dirty="0">
+              <a:solidFill>
+                <a:srgbClr val="000000"/>
+              </a:solidFill>
+              <a:effectLst/>
+              <a:latin typeface="Courier New" panose="02070309020205020404" pitchFamily="49" charset="0"/>
+            </a:endParaRPr>
+          </a:p>
+          <a:p>
+            <a:br>
+              <a:rPr lang="en-US" b="0" dirty="0">
+                <a:solidFill>
+                  <a:srgbClr val="000000"/>
+                </a:solidFill>
+                <a:effectLst/>
+                <a:latin typeface="Courier New" panose="02070309020205020404" pitchFamily="49" charset="0"/>
+              </a:rPr>
+            </a:br>
+            <a:r>
+              <a:rPr lang="en-US" b="0" dirty="0">
+                <a:solidFill>
+                  <a:srgbClr val="000000"/>
+                </a:solidFill>
+                <a:effectLst/>
+                <a:latin typeface="Courier New" panose="02070309020205020404" pitchFamily="49" charset="0"/>
+              </a:rPr>
+              <a:t>model = </a:t>
+            </a:r>
+            <a:r>
+              <a:rPr lang="en-US" b="0" dirty="0" err="1">
+                <a:solidFill>
+                  <a:srgbClr val="000000"/>
+                </a:solidFill>
+                <a:effectLst/>
+                <a:latin typeface="Courier New" panose="02070309020205020404" pitchFamily="49" charset="0"/>
+              </a:rPr>
+              <a:t>TensorFlowModel</a:t>
+            </a:r>
+            <a:r>
+              <a:rPr lang="en-US" b="0" dirty="0">
+                <a:solidFill>
+                  <a:srgbClr val="000000"/>
+                </a:solidFill>
+                <a:effectLst/>
+                <a:latin typeface="Courier New" panose="02070309020205020404" pitchFamily="49" charset="0"/>
+              </a:rPr>
+              <a:t>(</a:t>
+            </a:r>
+            <a:r>
+              <a:rPr lang="en-US" b="0" dirty="0" err="1">
+                <a:solidFill>
+                  <a:srgbClr val="000000"/>
+                </a:solidFill>
+                <a:effectLst/>
+                <a:latin typeface="Courier New" panose="02070309020205020404" pitchFamily="49" charset="0"/>
+              </a:rPr>
+              <a:t>model_data</a:t>
+            </a:r>
+            <a:r>
+              <a:rPr lang="en-US" b="0" dirty="0">
+                <a:solidFill>
+                  <a:srgbClr val="000000"/>
+                </a:solidFill>
+                <a:effectLst/>
+                <a:latin typeface="Courier New" panose="02070309020205020404" pitchFamily="49" charset="0"/>
+              </a:rPr>
+              <a:t>=</a:t>
+            </a:r>
+            <a:r>
+              <a:rPr lang="en-US" b="0" dirty="0">
+                <a:solidFill>
+                  <a:srgbClr val="A31515"/>
+                </a:solidFill>
+                <a:effectLst/>
+                <a:latin typeface="Courier New" panose="02070309020205020404" pitchFamily="49" charset="0"/>
+              </a:rPr>
+              <a:t>'s3://ai-sec-mid/model.tar.gz'</a:t>
+            </a:r>
+            <a:r>
+              <a:rPr lang="en-US" b="0" dirty="0">
+                <a:solidFill>
+                  <a:srgbClr val="000000"/>
+                </a:solidFill>
+                <a:effectLst/>
+                <a:latin typeface="Courier New" panose="02070309020205020404" pitchFamily="49" charset="0"/>
+              </a:rPr>
+              <a:t>, </a:t>
+            </a:r>
+          </a:p>
+          <a:p>
+            <a:r>
+              <a:rPr lang="en-US" b="0" dirty="0">
+                <a:solidFill>
+                  <a:srgbClr val="000000"/>
+                </a:solidFill>
+                <a:effectLst/>
+                <a:latin typeface="Courier New" panose="02070309020205020404" pitchFamily="49" charset="0"/>
+              </a:rPr>
+              <a:t>                        role=</a:t>
+            </a:r>
+            <a:r>
+              <a:rPr lang="en-US" b="0" dirty="0">
+                <a:solidFill>
+                  <a:srgbClr val="A31515"/>
+                </a:solidFill>
+                <a:effectLst/>
+                <a:latin typeface="Courier New" panose="02070309020205020404" pitchFamily="49" charset="0"/>
+              </a:rPr>
+              <a:t>'AmazonSageMaker-ExecutionRole-20211013T210978'</a:t>
+            </a:r>
+            <a:r>
+              <a:rPr lang="en-US" b="0" dirty="0">
+                <a:solidFill>
+                  <a:srgbClr val="000000"/>
+                </a:solidFill>
+                <a:effectLst/>
+                <a:latin typeface="Courier New" panose="02070309020205020404" pitchFamily="49" charset="0"/>
+              </a:rPr>
+              <a:t>,</a:t>
+            </a:r>
+          </a:p>
+          <a:p>
+            <a:r>
+              <a:rPr lang="en-US" b="0" dirty="0">
+                <a:solidFill>
+                  <a:srgbClr val="000000"/>
+                </a:solidFill>
+                <a:effectLst/>
+                <a:latin typeface="Courier New" panose="02070309020205020404" pitchFamily="49" charset="0"/>
+              </a:rPr>
+              <a:t>                        </a:t>
+            </a:r>
+            <a:r>
+              <a:rPr lang="en-US" b="0" dirty="0" err="1">
+                <a:solidFill>
+                  <a:srgbClr val="000000"/>
+                </a:solidFill>
+                <a:effectLst/>
+                <a:latin typeface="Courier New" panose="02070309020205020404" pitchFamily="49" charset="0"/>
+              </a:rPr>
+              <a:t>framework_version</a:t>
+            </a:r>
+            <a:r>
+              <a:rPr lang="en-US" b="0" dirty="0">
+                <a:solidFill>
+                  <a:srgbClr val="000000"/>
+                </a:solidFill>
+                <a:effectLst/>
+                <a:latin typeface="Courier New" panose="02070309020205020404" pitchFamily="49" charset="0"/>
+              </a:rPr>
+              <a:t> = </a:t>
+            </a:r>
+            <a:r>
+              <a:rPr lang="en-US" b="0" dirty="0">
+                <a:solidFill>
+                  <a:srgbClr val="A31515"/>
+                </a:solidFill>
+                <a:effectLst/>
+                <a:latin typeface="Courier New" panose="02070309020205020404" pitchFamily="49" charset="0"/>
+              </a:rPr>
+              <a:t>'2.4.1'</a:t>
+            </a:r>
+            <a:r>
+              <a:rPr lang="en-US" b="0" dirty="0">
+                <a:solidFill>
+                  <a:srgbClr val="000000"/>
+                </a:solidFill>
+                <a:effectLst/>
+                <a:latin typeface="Courier New" panose="02070309020205020404" pitchFamily="49" charset="0"/>
+              </a:rPr>
+              <a:t>, </a:t>
+            </a:r>
+            <a:r>
+              <a:rPr lang="en-US" b="0" dirty="0" err="1">
+                <a:solidFill>
+                  <a:srgbClr val="000000"/>
+                </a:solidFill>
+                <a:effectLst/>
+                <a:latin typeface="Courier New" panose="02070309020205020404" pitchFamily="49" charset="0"/>
+              </a:rPr>
+              <a:t>entry_point</a:t>
+            </a:r>
+            <a:r>
+              <a:rPr lang="en-US" b="0" dirty="0">
+                <a:solidFill>
+                  <a:srgbClr val="000000"/>
+                </a:solidFill>
+                <a:effectLst/>
+                <a:latin typeface="Courier New" panose="02070309020205020404" pitchFamily="49" charset="0"/>
+              </a:rPr>
+              <a:t>=</a:t>
+            </a:r>
+            <a:r>
+              <a:rPr lang="en-US" b="0" dirty="0">
+                <a:solidFill>
+                  <a:srgbClr val="A31515"/>
+                </a:solidFill>
+                <a:effectLst/>
+                <a:latin typeface="Courier New" panose="02070309020205020404" pitchFamily="49" charset="0"/>
+              </a:rPr>
+              <a:t>'train.py'</a:t>
+            </a:r>
+            <a:r>
+              <a:rPr lang="en-US" b="0" dirty="0">
+                <a:solidFill>
+                  <a:srgbClr val="000000"/>
+                </a:solidFill>
+                <a:effectLst/>
+                <a:latin typeface="Courier New" panose="02070309020205020404" pitchFamily="49" charset="0"/>
+              </a:rPr>
+              <a:t>)</a:t>
+            </a:r>
+          </a:p>
+          <a:p>
+            <a:br>
+              <a:rPr lang="en-US" b="0" dirty="0">
+                <a:solidFill>
+                  <a:srgbClr val="000000"/>
+                </a:solidFill>
+                <a:effectLst/>
+                <a:latin typeface="Courier New" panose="02070309020205020404" pitchFamily="49" charset="0"/>
+              </a:rPr>
+            </a:br>
+            <a:r>
+              <a:rPr lang="en-US" b="0" dirty="0">
+                <a:solidFill>
+                  <a:srgbClr val="000000"/>
+                </a:solidFill>
+                <a:effectLst/>
+                <a:latin typeface="Courier New" panose="02070309020205020404" pitchFamily="49" charset="0"/>
+              </a:rPr>
+              <a:t>predictor = </a:t>
+            </a:r>
+            <a:r>
+              <a:rPr lang="en-US" b="0" dirty="0" err="1">
+                <a:solidFill>
+                  <a:srgbClr val="000000"/>
+                </a:solidFill>
+                <a:effectLst/>
+                <a:latin typeface="Courier New" panose="02070309020205020404" pitchFamily="49" charset="0"/>
+              </a:rPr>
+              <a:t>model.deploy</a:t>
+            </a:r>
+            <a:r>
+              <a:rPr lang="en-US" b="0" dirty="0">
+                <a:solidFill>
+                  <a:srgbClr val="000000"/>
+                </a:solidFill>
+                <a:effectLst/>
+                <a:latin typeface="Courier New" panose="02070309020205020404" pitchFamily="49" charset="0"/>
+              </a:rPr>
+              <a:t>(</a:t>
+            </a:r>
+            <a:r>
+              <a:rPr lang="en-US" b="0" dirty="0" err="1">
+                <a:solidFill>
+                  <a:srgbClr val="000000"/>
+                </a:solidFill>
+                <a:effectLst/>
+                <a:latin typeface="Courier New" panose="02070309020205020404" pitchFamily="49" charset="0"/>
+              </a:rPr>
+              <a:t>initial_instance_count</a:t>
+            </a:r>
+            <a:r>
+              <a:rPr lang="en-US" b="0" dirty="0">
+                <a:solidFill>
+                  <a:srgbClr val="000000"/>
+                </a:solidFill>
+                <a:effectLst/>
+                <a:latin typeface="Courier New" panose="02070309020205020404" pitchFamily="49" charset="0"/>
+              </a:rPr>
+              <a:t>=</a:t>
+            </a:r>
+            <a:r>
+              <a:rPr lang="en-US" b="0" dirty="0">
+                <a:solidFill>
+                  <a:srgbClr val="09885A"/>
+                </a:solidFill>
+                <a:effectLst/>
+                <a:latin typeface="Courier New" panose="02070309020205020404" pitchFamily="49" charset="0"/>
+              </a:rPr>
+              <a:t>1</a:t>
+            </a:r>
+            <a:r>
+              <a:rPr lang="en-US" b="0" dirty="0">
+                <a:solidFill>
+                  <a:srgbClr val="000000"/>
+                </a:solidFill>
+                <a:effectLst/>
+                <a:latin typeface="Courier New" panose="02070309020205020404" pitchFamily="49" charset="0"/>
+              </a:rPr>
+              <a:t>, </a:t>
+            </a:r>
+            <a:r>
+              <a:rPr lang="en-US" b="0" dirty="0" err="1">
+                <a:solidFill>
+                  <a:srgbClr val="000000"/>
+                </a:solidFill>
+                <a:effectLst/>
+                <a:latin typeface="Courier New" panose="02070309020205020404" pitchFamily="49" charset="0"/>
+              </a:rPr>
+              <a:t>instance_type</a:t>
+            </a:r>
+            <a:r>
+              <a:rPr lang="en-US" b="0" dirty="0">
+                <a:solidFill>
+                  <a:srgbClr val="000000"/>
+                </a:solidFill>
+                <a:effectLst/>
+                <a:latin typeface="Courier New" panose="02070309020205020404" pitchFamily="49" charset="0"/>
+              </a:rPr>
+              <a:t>=</a:t>
+            </a:r>
+            <a:r>
+              <a:rPr lang="en-US" b="0" dirty="0">
+                <a:solidFill>
+                  <a:srgbClr val="A31515"/>
+                </a:solidFill>
+                <a:effectLst/>
+                <a:latin typeface="Courier New" panose="02070309020205020404" pitchFamily="49" charset="0"/>
+              </a:rPr>
+              <a:t>'ml.m4.xlarge'</a:t>
+            </a:r>
+            <a:r>
+              <a:rPr lang="en-US" b="0" dirty="0">
+                <a:solidFill>
+                  <a:srgbClr val="000000"/>
+                </a:solidFill>
+                <a:effectLst/>
+                <a:latin typeface="Courier New" panose="02070309020205020404" pitchFamily="49" charset="0"/>
+              </a:rPr>
+              <a:t>)</a:t>
+            </a:r>
+          </a:p>
+          <a:p>
+            <a:pPr algn="l"/>
+            <a:endParaRPr lang="en-US" b="0" i="0" dirty="0">
+              <a:solidFill>
+                <a:srgbClr val="24292F"/>
+              </a:solidFill>
+              <a:effectLst/>
+              <a:latin typeface="-apple-system"/>
+            </a:endParaRPr>
+          </a:p>
+        </p:txBody>
+      </p:sp>
+      <p:sp>
+        <p:nvSpPr>
+          <p:cNvPr id="6" name="TextBox 5">
+            <a:extLst>
+              <a:ext uri="{FF2B5EF4-FFF2-40B4-BE49-F238E27FC236}">
+                <a16:creationId xmlns:a16="http://schemas.microsoft.com/office/drawing/2014/main" id="{24C0229C-76D6-4EB6-B1C7-41BAE00E19B9}"/>
+              </a:ext>
+            </a:extLst>
+          </p:cNvPr>
+          <p:cNvSpPr txBox="1"/>
+          <p:nvPr/>
+        </p:nvSpPr>
+        <p:spPr>
+          <a:xfrm>
+            <a:off x="450574" y="769528"/>
+            <a:ext cx="5446643" cy="523220"/>
+          </a:xfrm>
+          <a:prstGeom prst="rect">
+            <a:avLst/>
+          </a:prstGeom>
+          <a:noFill/>
+        </p:spPr>
+        <p:txBody>
+          <a:bodyPr wrap="square" rtlCol="0">
+            <a:spAutoFit/>
+          </a:bodyPr>
+          <a:lstStyle/>
+          <a:p>
+            <a:r>
+              <a:rPr lang="en-US" sz="2800" b="1" dirty="0"/>
+              <a:t>AWS End point</a:t>
+            </a:r>
+          </a:p>
+        </p:txBody>
+      </p:sp>
+    </p:spTree>
+    <p:extLst>
+      <p:ext uri="{BB962C8B-B14F-4D97-AF65-F5344CB8AC3E}">
+        <p14:creationId xmlns:p14="http://schemas.microsoft.com/office/powerpoint/2010/main" val="1991990804"/>
+      </p:ext>
+    </p:extLst>
+  </p:cSld>
+  <p:clrMapOvr>
+    <a:masterClrMapping/>
+  </p:clrMapOvr>
+</p:sld>
+</file>
+
+<file path=ppt/slides/slide7.xml><?xml version="1.0" encoding="utf-8"?>
+<p:sld xmlns:a="http://schemas.openxmlformats.org/drawingml/2006/main" xmlns:r="http://schemas.openxmlformats.org/officeDocument/2006/relationships" xmlns:p="http://schemas.openxmlformats.org/presentationml/2006/main">
+  <p:cSld>
+    <p:spTree>
+      <p:nvGrpSpPr>
+        <p:cNvPr id="1" name=""/>
+        <p:cNvGrpSpPr/>
+        <p:nvPr/>
+      </p:nvGrpSpPr>
+      <p:grpSpPr>
+        <a:xfrm>
+          <a:off x="0" y="0"/>
+          <a:ext cx="0" cy="0"/>
+          <a:chOff x="0" y="0"/>
+          <a:chExt cx="0" cy="0"/>
+        </a:xfrm>
+      </p:grpSpPr>
+      <p:sp>
+        <p:nvSpPr>
+          <p:cNvPr id="5" name="TextBox 4">
+            <a:extLst>
+              <a:ext uri="{FF2B5EF4-FFF2-40B4-BE49-F238E27FC236}">
+                <a16:creationId xmlns:a16="http://schemas.microsoft.com/office/drawing/2014/main" id="{8A51FF77-7EB4-415C-AD5B-2F1E03F34659}"/>
+              </a:ext>
+            </a:extLst>
+          </p:cNvPr>
+          <p:cNvSpPr txBox="1"/>
+          <p:nvPr/>
+        </p:nvSpPr>
+        <p:spPr>
+          <a:xfrm>
+            <a:off x="503582" y="1292748"/>
+            <a:ext cx="10787270" cy="3970318"/>
+          </a:xfrm>
+          <a:prstGeom prst="rect">
+            <a:avLst/>
+          </a:prstGeom>
+          <a:noFill/>
+        </p:spPr>
+        <p:txBody>
+          <a:bodyPr wrap="square">
+            <a:spAutoFit/>
+          </a:bodyPr>
+          <a:lstStyle/>
+          <a:p>
+            <a:pPr algn="l"/>
+            <a:r>
+              <a:rPr lang="en-US" b="1" i="0" dirty="0">
+                <a:solidFill>
+                  <a:srgbClr val="24292F"/>
+                </a:solidFill>
+                <a:effectLst/>
+                <a:latin typeface="-apple-system"/>
+              </a:rPr>
+              <a:t>3. Predict using the End point</a:t>
+            </a:r>
+            <a:endParaRPr lang="en-US" b="1" dirty="0">
+              <a:solidFill>
+                <a:srgbClr val="000000"/>
+              </a:solidFill>
+              <a:effectLst/>
+              <a:latin typeface="Courier New" panose="02070309020205020404" pitchFamily="49" charset="0"/>
+            </a:endParaRPr>
+          </a:p>
+          <a:p>
+            <a:pPr algn="l"/>
+            <a:endParaRPr lang="en-US" b="0" i="0" dirty="0">
+              <a:solidFill>
+                <a:srgbClr val="24292F"/>
+              </a:solidFill>
+              <a:effectLst/>
+              <a:latin typeface="-apple-system"/>
+            </a:endParaRPr>
+          </a:p>
+          <a:p>
+            <a:r>
+              <a:rPr lang="en-US" b="0" dirty="0">
+                <a:solidFill>
+                  <a:srgbClr val="AF00DB"/>
+                </a:solidFill>
+                <a:effectLst/>
+                <a:latin typeface="Courier New" panose="02070309020205020404" pitchFamily="49" charset="0"/>
+              </a:rPr>
+              <a:t>from</a:t>
+            </a:r>
+            <a:r>
+              <a:rPr lang="en-US" b="0" dirty="0">
+                <a:solidFill>
+                  <a:srgbClr val="000000"/>
+                </a:solidFill>
+                <a:effectLst/>
+                <a:latin typeface="Courier New" panose="02070309020205020404" pitchFamily="49" charset="0"/>
+              </a:rPr>
+              <a:t> </a:t>
+            </a:r>
+            <a:r>
+              <a:rPr lang="en-US" b="0" dirty="0" err="1">
+                <a:solidFill>
+                  <a:srgbClr val="000000"/>
+                </a:solidFill>
+                <a:effectLst/>
+                <a:latin typeface="Courier New" panose="02070309020205020404" pitchFamily="49" charset="0"/>
+              </a:rPr>
+              <a:t>sagemaker.predictor</a:t>
+            </a:r>
+            <a:r>
+              <a:rPr lang="en-US" b="0" dirty="0">
+                <a:solidFill>
+                  <a:srgbClr val="000000"/>
+                </a:solidFill>
+                <a:effectLst/>
+                <a:latin typeface="Courier New" panose="02070309020205020404" pitchFamily="49" charset="0"/>
+              </a:rPr>
+              <a:t> </a:t>
+            </a:r>
+            <a:r>
+              <a:rPr lang="en-US" b="0" dirty="0">
+                <a:solidFill>
+                  <a:srgbClr val="AF00DB"/>
+                </a:solidFill>
+                <a:effectLst/>
+                <a:latin typeface="Courier New" panose="02070309020205020404" pitchFamily="49" charset="0"/>
+              </a:rPr>
+              <a:t>import</a:t>
+            </a:r>
+            <a:r>
+              <a:rPr lang="en-US" b="0" dirty="0">
+                <a:solidFill>
+                  <a:srgbClr val="000000"/>
+                </a:solidFill>
+                <a:effectLst/>
+                <a:latin typeface="Courier New" panose="02070309020205020404" pitchFamily="49" charset="0"/>
+              </a:rPr>
+              <a:t> Predictor</a:t>
+            </a:r>
+          </a:p>
+          <a:p>
+            <a:r>
+              <a:rPr lang="en-US" b="0" dirty="0">
+                <a:solidFill>
+                  <a:srgbClr val="000000"/>
+                </a:solidFill>
+                <a:effectLst/>
+                <a:latin typeface="Courier New" panose="02070309020205020404" pitchFamily="49" charset="0"/>
+              </a:rPr>
+              <a:t>endpoint = </a:t>
+            </a:r>
+            <a:r>
+              <a:rPr lang="en-US" b="0" dirty="0">
+                <a:solidFill>
+                  <a:srgbClr val="A31515"/>
+                </a:solidFill>
+                <a:effectLst/>
+                <a:latin typeface="Courier New" panose="02070309020205020404" pitchFamily="49" charset="0"/>
+              </a:rPr>
+              <a:t>'sagemaker-tensorflow-serving-2021-10-16-07-35-22-029'</a:t>
+            </a:r>
+            <a:endParaRPr lang="en-US" b="0" dirty="0">
+              <a:solidFill>
+                <a:srgbClr val="000000"/>
+              </a:solidFill>
+              <a:effectLst/>
+              <a:latin typeface="Courier New" panose="02070309020205020404" pitchFamily="49" charset="0"/>
+            </a:endParaRPr>
+          </a:p>
+          <a:p>
+            <a:br>
+              <a:rPr lang="en-US" b="0" dirty="0">
+                <a:solidFill>
+                  <a:srgbClr val="000000"/>
+                </a:solidFill>
+                <a:effectLst/>
+                <a:latin typeface="Courier New" panose="02070309020205020404" pitchFamily="49" charset="0"/>
+              </a:rPr>
+            </a:br>
+            <a:r>
+              <a:rPr lang="en-US" b="0" dirty="0" err="1">
+                <a:solidFill>
+                  <a:srgbClr val="000000"/>
+                </a:solidFill>
+                <a:effectLst/>
+                <a:latin typeface="Courier New" panose="02070309020205020404" pitchFamily="49" charset="0"/>
+              </a:rPr>
+              <a:t>test_data</a:t>
+            </a:r>
+            <a:r>
+              <a:rPr lang="en-US" b="0" dirty="0">
+                <a:solidFill>
+                  <a:srgbClr val="000000"/>
+                </a:solidFill>
+                <a:effectLst/>
+                <a:latin typeface="Courier New" panose="02070309020205020404" pitchFamily="49" charset="0"/>
+              </a:rPr>
+              <a:t> = </a:t>
+            </a:r>
+            <a:r>
+              <a:rPr lang="en-US" b="0" dirty="0" err="1">
+                <a:solidFill>
+                  <a:srgbClr val="000000"/>
+                </a:solidFill>
+                <a:effectLst/>
+                <a:latin typeface="Courier New" panose="02070309020205020404" pitchFamily="49" charset="0"/>
+              </a:rPr>
+              <a:t>pd.read_csv</a:t>
+            </a:r>
+            <a:r>
+              <a:rPr lang="en-US" b="0" dirty="0">
+                <a:solidFill>
+                  <a:srgbClr val="000000"/>
+                </a:solidFill>
+                <a:effectLst/>
+                <a:latin typeface="Courier New" panose="02070309020205020404" pitchFamily="49" charset="0"/>
+              </a:rPr>
+              <a:t>(</a:t>
+            </a:r>
+            <a:r>
+              <a:rPr lang="en-US" b="0" dirty="0">
+                <a:solidFill>
+                  <a:srgbClr val="A31515"/>
+                </a:solidFill>
+                <a:effectLst/>
+                <a:latin typeface="Courier New" panose="02070309020205020404" pitchFamily="49" charset="0"/>
+              </a:rPr>
+              <a:t>"/content/sample.csv"</a:t>
+            </a:r>
+            <a:r>
+              <a:rPr lang="en-US" b="0" dirty="0">
+                <a:solidFill>
+                  <a:srgbClr val="000000"/>
+                </a:solidFill>
+                <a:effectLst/>
+                <a:latin typeface="Courier New" panose="02070309020205020404" pitchFamily="49" charset="0"/>
+              </a:rPr>
+              <a:t>)</a:t>
+            </a:r>
+          </a:p>
+          <a:p>
+            <a:r>
+              <a:rPr lang="en-US" b="0" dirty="0" err="1">
+                <a:solidFill>
+                  <a:srgbClr val="000000"/>
+                </a:solidFill>
+                <a:effectLst/>
+                <a:latin typeface="Courier New" panose="02070309020205020404" pitchFamily="49" charset="0"/>
+              </a:rPr>
+              <a:t>y_test</a:t>
+            </a:r>
+            <a:r>
+              <a:rPr lang="en-US" b="0" dirty="0">
+                <a:solidFill>
+                  <a:srgbClr val="000000"/>
+                </a:solidFill>
+                <a:effectLst/>
+                <a:latin typeface="Courier New" panose="02070309020205020404" pitchFamily="49" charset="0"/>
+              </a:rPr>
+              <a:t>=</a:t>
+            </a:r>
+            <a:r>
+              <a:rPr lang="en-US" b="0" dirty="0" err="1">
+                <a:solidFill>
+                  <a:srgbClr val="000000"/>
+                </a:solidFill>
+                <a:effectLst/>
+                <a:latin typeface="Courier New" panose="02070309020205020404" pitchFamily="49" charset="0"/>
+              </a:rPr>
+              <a:t>test_data.label.to_numpy</a:t>
+            </a:r>
+            <a:r>
+              <a:rPr lang="en-US" b="0" dirty="0">
+                <a:solidFill>
+                  <a:srgbClr val="000000"/>
+                </a:solidFill>
+                <a:effectLst/>
+                <a:latin typeface="Courier New" panose="02070309020205020404" pitchFamily="49" charset="0"/>
+              </a:rPr>
+              <a:t>()</a:t>
+            </a:r>
+          </a:p>
+          <a:p>
+            <a:r>
+              <a:rPr lang="en-US" b="0" dirty="0" err="1">
+                <a:solidFill>
+                  <a:srgbClr val="000000"/>
+                </a:solidFill>
+                <a:effectLst/>
+                <a:latin typeface="Courier New" panose="02070309020205020404" pitchFamily="49" charset="0"/>
+              </a:rPr>
+              <a:t>test_data</a:t>
+            </a:r>
+            <a:r>
+              <a:rPr lang="en-US" b="0" dirty="0">
+                <a:solidFill>
+                  <a:srgbClr val="000000"/>
+                </a:solidFill>
+                <a:effectLst/>
+                <a:latin typeface="Courier New" panose="02070309020205020404" pitchFamily="49" charset="0"/>
+              </a:rPr>
+              <a:t>=</a:t>
+            </a:r>
+            <a:r>
+              <a:rPr lang="en-US" b="0" dirty="0" err="1">
+                <a:solidFill>
+                  <a:srgbClr val="000000"/>
+                </a:solidFill>
+                <a:effectLst/>
+                <a:latin typeface="Courier New" panose="02070309020205020404" pitchFamily="49" charset="0"/>
+              </a:rPr>
+              <a:t>test_data.iloc</a:t>
+            </a:r>
+            <a:r>
+              <a:rPr lang="en-US" b="0" dirty="0">
+                <a:solidFill>
+                  <a:srgbClr val="000000"/>
+                </a:solidFill>
+                <a:effectLst/>
+                <a:latin typeface="Courier New" panose="02070309020205020404" pitchFamily="49" charset="0"/>
+              </a:rPr>
+              <a:t>[:,</a:t>
+            </a:r>
+            <a:r>
+              <a:rPr lang="en-US" b="0" dirty="0">
+                <a:solidFill>
+                  <a:srgbClr val="09885A"/>
+                </a:solidFill>
+                <a:effectLst/>
+                <a:latin typeface="Courier New" panose="02070309020205020404" pitchFamily="49" charset="0"/>
+              </a:rPr>
+              <a:t>3</a:t>
+            </a:r>
+            <a:r>
+              <a:rPr lang="en-US" b="0" dirty="0">
+                <a:solidFill>
+                  <a:srgbClr val="000000"/>
+                </a:solidFill>
+                <a:effectLst/>
+                <a:latin typeface="Courier New" panose="02070309020205020404" pitchFamily="49" charset="0"/>
+              </a:rPr>
+              <a:t>:]</a:t>
+            </a:r>
+          </a:p>
+          <a:p>
+            <a:br>
+              <a:rPr lang="en-US" b="0" dirty="0">
+                <a:solidFill>
+                  <a:srgbClr val="000000"/>
+                </a:solidFill>
+                <a:effectLst/>
+                <a:latin typeface="Courier New" panose="02070309020205020404" pitchFamily="49" charset="0"/>
+              </a:rPr>
+            </a:br>
+            <a:r>
+              <a:rPr lang="en-US" b="0" dirty="0">
+                <a:solidFill>
+                  <a:srgbClr val="000000"/>
+                </a:solidFill>
+                <a:effectLst/>
+                <a:latin typeface="Courier New" panose="02070309020205020404" pitchFamily="49" charset="0"/>
+              </a:rPr>
+              <a:t>predictor = Predictor(endpoint)</a:t>
+            </a:r>
+          </a:p>
+          <a:p>
+            <a:r>
+              <a:rPr lang="en-US" b="0" dirty="0" err="1">
+                <a:solidFill>
+                  <a:srgbClr val="000000"/>
+                </a:solidFill>
+                <a:effectLst/>
+                <a:latin typeface="Courier New" panose="02070309020205020404" pitchFamily="49" charset="0"/>
+              </a:rPr>
+              <a:t>inference_response</a:t>
+            </a:r>
+            <a:r>
+              <a:rPr lang="en-US" b="0" dirty="0">
+                <a:solidFill>
+                  <a:srgbClr val="000000"/>
+                </a:solidFill>
+                <a:effectLst/>
+                <a:latin typeface="Courier New" panose="02070309020205020404" pitchFamily="49" charset="0"/>
+              </a:rPr>
+              <a:t> = </a:t>
+            </a:r>
+            <a:r>
+              <a:rPr lang="en-US" b="0" dirty="0" err="1">
+                <a:solidFill>
+                  <a:srgbClr val="000000"/>
+                </a:solidFill>
+                <a:effectLst/>
+                <a:latin typeface="Courier New" panose="02070309020205020404" pitchFamily="49" charset="0"/>
+              </a:rPr>
+              <a:t>predictor.predict</a:t>
+            </a:r>
+            <a:r>
+              <a:rPr lang="en-US" b="0" dirty="0">
+                <a:solidFill>
+                  <a:srgbClr val="000000"/>
+                </a:solidFill>
+                <a:effectLst/>
+                <a:latin typeface="Courier New" panose="02070309020205020404" pitchFamily="49" charset="0"/>
+              </a:rPr>
+              <a:t>(data=</a:t>
+            </a:r>
+            <a:r>
+              <a:rPr lang="en-US" b="0" dirty="0" err="1">
+                <a:solidFill>
+                  <a:srgbClr val="000000"/>
+                </a:solidFill>
+                <a:effectLst/>
+                <a:latin typeface="Courier New" panose="02070309020205020404" pitchFamily="49" charset="0"/>
+              </a:rPr>
+              <a:t>test_data</a:t>
+            </a:r>
+            <a:r>
+              <a:rPr lang="en-US" b="0" dirty="0">
+                <a:solidFill>
+                  <a:srgbClr val="000000"/>
+                </a:solidFill>
+                <a:effectLst/>
+                <a:latin typeface="Courier New" panose="02070309020205020404" pitchFamily="49" charset="0"/>
+              </a:rPr>
+              <a:t>)</a:t>
+            </a:r>
+          </a:p>
+          <a:p>
+            <a:br>
+              <a:rPr lang="en-US" b="0" dirty="0">
+                <a:solidFill>
+                  <a:srgbClr val="000000"/>
+                </a:solidFill>
+                <a:effectLst/>
+                <a:latin typeface="Courier New" panose="02070309020205020404" pitchFamily="49" charset="0"/>
+              </a:rPr>
+            </a:br>
+            <a:r>
+              <a:rPr lang="en-US" b="0" dirty="0" err="1">
+                <a:solidFill>
+                  <a:srgbClr val="000000"/>
+                </a:solidFill>
+                <a:effectLst/>
+                <a:latin typeface="Courier New" panose="02070309020205020404" pitchFamily="49" charset="0"/>
+              </a:rPr>
+              <a:t>y_pred</a:t>
+            </a:r>
+            <a:r>
+              <a:rPr lang="en-US" b="0" dirty="0">
+                <a:solidFill>
+                  <a:srgbClr val="000000"/>
+                </a:solidFill>
+                <a:effectLst/>
+                <a:latin typeface="Courier New" panose="02070309020205020404" pitchFamily="49" charset="0"/>
+              </a:rPr>
+              <a:t> =  </a:t>
+            </a:r>
+            <a:r>
+              <a:rPr lang="en-US" b="0" dirty="0" err="1">
+                <a:solidFill>
+                  <a:srgbClr val="000000"/>
+                </a:solidFill>
+                <a:effectLst/>
+                <a:latin typeface="Courier New" panose="02070309020205020404" pitchFamily="49" charset="0"/>
+              </a:rPr>
+              <a:t>np.where</a:t>
+            </a:r>
+            <a:r>
+              <a:rPr lang="en-US" b="0" dirty="0">
+                <a:solidFill>
+                  <a:srgbClr val="000000"/>
+                </a:solidFill>
+                <a:effectLst/>
+                <a:latin typeface="Courier New" panose="02070309020205020404" pitchFamily="49" charset="0"/>
+              </a:rPr>
+              <a:t>(</a:t>
+            </a:r>
+            <a:r>
+              <a:rPr lang="en-US" b="0" dirty="0" err="1">
+                <a:solidFill>
+                  <a:srgbClr val="000000"/>
+                </a:solidFill>
+                <a:effectLst/>
+                <a:latin typeface="Courier New" panose="02070309020205020404" pitchFamily="49" charset="0"/>
+              </a:rPr>
+              <a:t>y_pred</a:t>
+            </a:r>
+            <a:r>
+              <a:rPr lang="en-US" b="0" dirty="0">
+                <a:solidFill>
+                  <a:srgbClr val="000000"/>
+                </a:solidFill>
+                <a:effectLst/>
+                <a:latin typeface="Courier New" panose="02070309020205020404" pitchFamily="49" charset="0"/>
+              </a:rPr>
+              <a:t>&lt;</a:t>
+            </a:r>
+            <a:r>
+              <a:rPr lang="en-US" b="0" dirty="0">
+                <a:solidFill>
+                  <a:srgbClr val="09885A"/>
+                </a:solidFill>
+                <a:effectLst/>
+                <a:latin typeface="Courier New" panose="02070309020205020404" pitchFamily="49" charset="0"/>
+              </a:rPr>
+              <a:t>0.5</a:t>
+            </a:r>
+            <a:r>
+              <a:rPr lang="en-US" b="0" dirty="0">
+                <a:solidFill>
+                  <a:srgbClr val="000000"/>
+                </a:solidFill>
+                <a:effectLst/>
+                <a:latin typeface="Courier New" panose="02070309020205020404" pitchFamily="49" charset="0"/>
+              </a:rPr>
+              <a:t>,</a:t>
+            </a:r>
+            <a:r>
+              <a:rPr lang="en-US" b="0" dirty="0">
+                <a:solidFill>
+                  <a:srgbClr val="09885A"/>
+                </a:solidFill>
+                <a:effectLst/>
+                <a:latin typeface="Courier New" panose="02070309020205020404" pitchFamily="49" charset="0"/>
+              </a:rPr>
+              <a:t>0</a:t>
+            </a:r>
+            <a:r>
+              <a:rPr lang="en-US" b="0" dirty="0">
+                <a:solidFill>
+                  <a:srgbClr val="000000"/>
+                </a:solidFill>
+                <a:effectLst/>
+                <a:latin typeface="Courier New" panose="02070309020205020404" pitchFamily="49" charset="0"/>
+              </a:rPr>
+              <a:t>.,</a:t>
+            </a:r>
+            <a:r>
+              <a:rPr lang="en-US" b="0" dirty="0">
+                <a:solidFill>
+                  <a:srgbClr val="09885A"/>
+                </a:solidFill>
+                <a:effectLst/>
+                <a:latin typeface="Courier New" panose="02070309020205020404" pitchFamily="49" charset="0"/>
+              </a:rPr>
+              <a:t>1</a:t>
+            </a:r>
+            <a:r>
+              <a:rPr lang="en-US" b="0" dirty="0">
+                <a:solidFill>
+                  <a:srgbClr val="000000"/>
+                </a:solidFill>
+                <a:effectLst/>
+                <a:latin typeface="Courier New" panose="02070309020205020404" pitchFamily="49" charset="0"/>
+              </a:rPr>
+              <a:t>.)</a:t>
+            </a:r>
+          </a:p>
+          <a:p>
+            <a:pPr algn="l"/>
+            <a:endParaRPr lang="en-US" b="0" i="0" dirty="0">
+              <a:solidFill>
+                <a:srgbClr val="24292F"/>
+              </a:solidFill>
+              <a:effectLst/>
+              <a:latin typeface="-apple-system"/>
+            </a:endParaRPr>
+          </a:p>
+        </p:txBody>
+      </p:sp>
+      <p:sp>
+        <p:nvSpPr>
+          <p:cNvPr id="6" name="TextBox 5">
+            <a:extLst>
+              <a:ext uri="{FF2B5EF4-FFF2-40B4-BE49-F238E27FC236}">
+                <a16:creationId xmlns:a16="http://schemas.microsoft.com/office/drawing/2014/main" id="{24C0229C-76D6-4EB6-B1C7-41BAE00E19B9}"/>
+              </a:ext>
+            </a:extLst>
+          </p:cNvPr>
+          <p:cNvSpPr txBox="1"/>
+          <p:nvPr/>
+        </p:nvSpPr>
+        <p:spPr>
+          <a:xfrm>
+            <a:off x="450574" y="769528"/>
+            <a:ext cx="5446643" cy="523220"/>
+          </a:xfrm>
+          <a:prstGeom prst="rect">
+            <a:avLst/>
+          </a:prstGeom>
+          <a:noFill/>
+        </p:spPr>
+        <p:txBody>
+          <a:bodyPr wrap="square" rtlCol="0">
+            <a:spAutoFit/>
+          </a:bodyPr>
+          <a:lstStyle/>
+          <a:p>
+            <a:r>
+              <a:rPr lang="en-US" sz="2800" b="1" dirty="0"/>
+              <a:t>AWS End point</a:t>
+            </a:r>
+          </a:p>
+        </p:txBody>
+      </p:sp>
+    </p:spTree>
+    <p:extLst>
+      <p:ext uri="{BB962C8B-B14F-4D97-AF65-F5344CB8AC3E}">
+        <p14:creationId xmlns:p14="http://schemas.microsoft.com/office/powerpoint/2010/main" val="1638506776"/>
       </p:ext>
     </p:extLst>
   </p:cSld>
